--- a/Ana's Analysis/Blank slide loop.pptx
+++ b/Ana's Analysis/Blank slide loop.pptx
@@ -147,7 +147,7 @@
   <pc:docChgLst>
     <pc:chgData name="Ana" userId="ecfab39d3d920a60" providerId="LiveId" clId="{B066BAE0-A971-4706-BD9C-586A7A2C9D9C}"/>
     <pc:docChg chg="undo custSel addSld delSld modSld sldOrd delMainMaster">
-      <pc:chgData name="Ana" userId="ecfab39d3d920a60" providerId="LiveId" clId="{B066BAE0-A971-4706-BD9C-586A7A2C9D9C}" dt="2021-02-25T01:20:17.986" v="2160" actId="20577"/>
+      <pc:chgData name="Ana" userId="ecfab39d3d920a60" providerId="LiveId" clId="{B066BAE0-A971-4706-BD9C-586A7A2C9D9C}" dt="2021-02-25T04:19:01.485" v="2633" actId="14100"/>
       <pc:docMkLst>
         <pc:docMk/>
       </pc:docMkLst>
@@ -730,21 +730,29 @@
         </pc:sldMkLst>
       </pc:sldChg>
       <pc:sldChg chg="addSp delSp modSp mod">
-        <pc:chgData name="Ana" userId="ecfab39d3d920a60" providerId="LiveId" clId="{B066BAE0-A971-4706-BD9C-586A7A2C9D9C}" dt="2021-02-24T02:52:06.345" v="363"/>
+        <pc:chgData name="Ana" userId="ecfab39d3d920a60" providerId="LiveId" clId="{B066BAE0-A971-4706-BD9C-586A7A2C9D9C}" dt="2021-02-25T04:19:01.485" v="2633" actId="14100"/>
         <pc:sldMkLst>
           <pc:docMk/>
           <pc:sldMk cId="3545071244" sldId="310"/>
         </pc:sldMkLst>
-        <pc:spChg chg="add mod">
-          <ac:chgData name="Ana" userId="ecfab39d3d920a60" providerId="LiveId" clId="{B066BAE0-A971-4706-BD9C-586A7A2C9D9C}" dt="2021-02-24T02:50:17.071" v="255" actId="1076"/>
+        <pc:spChg chg="add del mod">
+          <ac:chgData name="Ana" userId="ecfab39d3d920a60" providerId="LiveId" clId="{B066BAE0-A971-4706-BD9C-586A7A2C9D9C}" dt="2021-02-25T03:00:54.153" v="2161" actId="478"/>
           <ac:spMkLst>
             <pc:docMk/>
             <pc:sldMk cId="3545071244" sldId="310"/>
             <ac:spMk id="2" creationId="{6E728BA7-7D8F-4F8C-BF9F-0555046AF5F2}"/>
           </ac:spMkLst>
         </pc:spChg>
+        <pc:spChg chg="add mod">
+          <ac:chgData name="Ana" userId="ecfab39d3d920a60" providerId="LiveId" clId="{B066BAE0-A971-4706-BD9C-586A7A2C9D9C}" dt="2021-02-25T04:08:01.123" v="2603" actId="1038"/>
+          <ac:spMkLst>
+            <pc:docMk/>
+            <pc:sldMk cId="3545071244" sldId="310"/>
+            <ac:spMk id="3" creationId="{83889A4B-FAA6-4159-A779-75D94485A1CB}"/>
+          </ac:spMkLst>
+        </pc:spChg>
         <pc:spChg chg="mod">
-          <ac:chgData name="Ana" userId="ecfab39d3d920a60" providerId="LiveId" clId="{B066BAE0-A971-4706-BD9C-586A7A2C9D9C}" dt="2021-02-24T02:52:06.345" v="363"/>
+          <ac:chgData name="Ana" userId="ecfab39d3d920a60" providerId="LiveId" clId="{B066BAE0-A971-4706-BD9C-586A7A2C9D9C}" dt="2021-02-25T03:21:04.909" v="2462" actId="113"/>
           <ac:spMkLst>
             <pc:docMk/>
             <pc:sldMk cId="3545071244" sldId="310"/>
@@ -797,6 +805,14 @@
             <pc:docMk/>
             <pc:sldMk cId="3545071244" sldId="310"/>
             <ac:spMk id="22" creationId="{00000000-0000-0000-0000-000000000000}"/>
+          </ac:spMkLst>
+        </pc:spChg>
+        <pc:spChg chg="mod">
+          <ac:chgData name="Ana" userId="ecfab39d3d920a60" providerId="LiveId" clId="{B066BAE0-A971-4706-BD9C-586A7A2C9D9C}" dt="2021-02-25T03:17:30.845" v="2440" actId="1076"/>
+          <ac:spMkLst>
+            <pc:docMk/>
+            <pc:sldMk cId="3545071244" sldId="310"/>
+            <ac:spMk id="41" creationId="{00000000-0000-0000-0000-000000000000}"/>
           </ac:spMkLst>
         </pc:spChg>
         <pc:spChg chg="del">
@@ -864,7 +880,7 @@
           </ac:spMkLst>
         </pc:spChg>
         <pc:spChg chg="mod">
-          <ac:chgData name="Ana" userId="ecfab39d3d920a60" providerId="LiveId" clId="{B066BAE0-A971-4706-BD9C-586A7A2C9D9C}" dt="2021-02-24T02:50:24.649" v="259" actId="20577"/>
+          <ac:chgData name="Ana" userId="ecfab39d3d920a60" providerId="LiveId" clId="{B066BAE0-A971-4706-BD9C-586A7A2C9D9C}" dt="2021-02-25T03:59:58.065" v="2564" actId="20577"/>
           <ac:spMkLst>
             <pc:docMk/>
             <pc:sldMk cId="3545071244" sldId="310"/>
@@ -872,7 +888,15 @@
           </ac:spMkLst>
         </pc:spChg>
         <pc:spChg chg="mod">
-          <ac:chgData name="Ana" userId="ecfab39d3d920a60" providerId="LiveId" clId="{B066BAE0-A971-4706-BD9C-586A7A2C9D9C}" dt="2021-02-24T02:50:31.121" v="282" actId="20577"/>
+          <ac:chgData name="Ana" userId="ecfab39d3d920a60" providerId="LiveId" clId="{B066BAE0-A971-4706-BD9C-586A7A2C9D9C}" dt="2021-02-25T04:18:21.424" v="2632" actId="20577"/>
+          <ac:spMkLst>
+            <pc:docMk/>
+            <pc:sldMk cId="3545071244" sldId="310"/>
+            <ac:spMk id="113" creationId="{00000000-0000-0000-0000-000000000000}"/>
+          </ac:spMkLst>
+        </pc:spChg>
+        <pc:spChg chg="mod">
+          <ac:chgData name="Ana" userId="ecfab39d3d920a60" providerId="LiveId" clId="{B066BAE0-A971-4706-BD9C-586A7A2C9D9C}" dt="2021-02-25T03:14:19.723" v="2419" actId="1076"/>
           <ac:spMkLst>
             <pc:docMk/>
             <pc:sldMk cId="3545071244" sldId="310"/>
@@ -880,7 +904,7 @@
           </ac:spMkLst>
         </pc:spChg>
         <pc:spChg chg="mod">
-          <ac:chgData name="Ana" userId="ecfab39d3d920a60" providerId="LiveId" clId="{B066BAE0-A971-4706-BD9C-586A7A2C9D9C}" dt="2021-02-24T02:50:38.265" v="294" actId="20577"/>
+          <ac:chgData name="Ana" userId="ecfab39d3d920a60" providerId="LiveId" clId="{B066BAE0-A971-4706-BD9C-586A7A2C9D9C}" dt="2021-02-25T03:17:26.758" v="2439" actId="1076"/>
           <ac:spMkLst>
             <pc:docMk/>
             <pc:sldMk cId="3545071244" sldId="310"/>
@@ -903,6 +927,46 @@
             <ac:grpSpMk id="104" creationId="{00000000-0000-0000-0000-000000000000}"/>
           </ac:grpSpMkLst>
         </pc:grpChg>
+        <pc:graphicFrameChg chg="add del mod">
+          <ac:chgData name="Ana" userId="ecfab39d3d920a60" providerId="LiveId" clId="{B066BAE0-A971-4706-BD9C-586A7A2C9D9C}" dt="2021-02-25T03:02:18.428" v="2170" actId="478"/>
+          <ac:graphicFrameMkLst>
+            <pc:docMk/>
+            <pc:sldMk cId="3545071244" sldId="310"/>
+            <ac:graphicFrameMk id="33" creationId="{950E1690-7333-40CF-94D2-E9EEFD06B955}"/>
+          </ac:graphicFrameMkLst>
+        </pc:graphicFrameChg>
+        <pc:graphicFrameChg chg="add mod">
+          <ac:chgData name="Ana" userId="ecfab39d3d920a60" providerId="LiveId" clId="{B066BAE0-A971-4706-BD9C-586A7A2C9D9C}" dt="2021-02-25T04:08:10.299" v="2604" actId="1076"/>
+          <ac:graphicFrameMkLst>
+            <pc:docMk/>
+            <pc:sldMk cId="3545071244" sldId="310"/>
+            <ac:graphicFrameMk id="34" creationId="{950E1690-7333-40CF-94D2-E9EEFD06B955}"/>
+          </ac:graphicFrameMkLst>
+        </pc:graphicFrameChg>
+        <pc:graphicFrameChg chg="add del mod">
+          <ac:chgData name="Ana" userId="ecfab39d3d920a60" providerId="LiveId" clId="{B066BAE0-A971-4706-BD9C-586A7A2C9D9C}" dt="2021-02-25T04:14:33.011" v="2612" actId="478"/>
+          <ac:graphicFrameMkLst>
+            <pc:docMk/>
+            <pc:sldMk cId="3545071244" sldId="310"/>
+            <ac:graphicFrameMk id="36" creationId="{B931C3B1-36E8-4690-BC44-3075F8C29A5A}"/>
+          </ac:graphicFrameMkLst>
+        </pc:graphicFrameChg>
+        <pc:graphicFrameChg chg="add del mod">
+          <ac:chgData name="Ana" userId="ecfab39d3d920a60" providerId="LiveId" clId="{B066BAE0-A971-4706-BD9C-586A7A2C9D9C}" dt="2021-02-25T04:14:40.238" v="2615" actId="478"/>
+          <ac:graphicFrameMkLst>
+            <pc:docMk/>
+            <pc:sldMk cId="3545071244" sldId="310"/>
+            <ac:graphicFrameMk id="42" creationId="{DF467325-1AD0-4CAD-9C0C-C19E19A95369}"/>
+          </ac:graphicFrameMkLst>
+        </pc:graphicFrameChg>
+        <pc:graphicFrameChg chg="add mod">
+          <ac:chgData name="Ana" userId="ecfab39d3d920a60" providerId="LiveId" clId="{B066BAE0-A971-4706-BD9C-586A7A2C9D9C}" dt="2021-02-25T04:19:01.485" v="2633" actId="14100"/>
+          <ac:graphicFrameMkLst>
+            <pc:docMk/>
+            <pc:sldMk cId="3545071244" sldId="310"/>
+            <ac:graphicFrameMk id="43" creationId="{DF467325-1AD0-4CAD-9C0C-C19E19A95369}"/>
+          </ac:graphicFrameMkLst>
+        </pc:graphicFrameChg>
       </pc:sldChg>
       <pc:sldChg chg="addSp delSp modSp add mod ord">
         <pc:chgData name="Ana" userId="ecfab39d3d920a60" providerId="LiveId" clId="{B066BAE0-A971-4706-BD9C-586A7A2C9D9C}" dt="2021-02-25T01:20:17.986" v="2160" actId="20577"/>
@@ -2167,6 +2231,2110 @@
 </pc:chgInfo>
 </file>
 
+<file path=ppt/charts/chart1.xml><?xml version="1.0" encoding="utf-8"?>
+<c:chartSpace xmlns:c="http://schemas.openxmlformats.org/drawingml/2006/chart" xmlns:a="http://schemas.openxmlformats.org/drawingml/2006/main" xmlns:r="http://schemas.openxmlformats.org/officeDocument/2006/relationships" xmlns:c16r2="http://schemas.microsoft.com/office/drawing/2015/06/chart">
+  <c:date1904 val="0"/>
+  <c:lang val="en-US"/>
+  <c:roundedCorners val="0"/>
+  <mc:AlternateContent xmlns:mc="http://schemas.openxmlformats.org/markup-compatibility/2006">
+    <mc:Choice xmlns:c14="http://schemas.microsoft.com/office/drawing/2007/8/2/chart" Requires="c14">
+      <c14:style val="102"/>
+    </mc:Choice>
+    <mc:Fallback>
+      <c:style val="2"/>
+    </mc:Fallback>
+  </mc:AlternateContent>
+  <c:chart>
+    <c:title>
+      <c:tx>
+        <c:rich>
+          <a:bodyPr rot="0" spcFirstLastPara="1" vertOverflow="ellipsis" vert="horz" wrap="square" anchor="ctr" anchorCtr="1"/>
+          <a:lstStyle/>
+          <a:p>
+            <a:pPr>
+              <a:defRPr sz="1400" b="0" i="0" u="none" strike="noStrike" kern="1200" spc="0" baseline="0">
+                <a:solidFill>
+                  <a:schemeClr val="tx1">
+                    <a:lumMod val="65000"/>
+                    <a:lumOff val="35000"/>
+                  </a:schemeClr>
+                </a:solidFill>
+                <a:latin typeface="+mn-lt"/>
+                <a:ea typeface="+mn-ea"/>
+                <a:cs typeface="+mn-cs"/>
+              </a:defRPr>
+            </a:pPr>
+            <a:r>
+              <a:rPr lang="en-US" sz="1800" b="1" i="0" baseline="0">
+                <a:solidFill>
+                  <a:schemeClr val="accent1">
+                    <a:lumMod val="75000"/>
+                  </a:schemeClr>
+                </a:solidFill>
+                <a:effectLst/>
+              </a:rPr>
+              <a:t>Top 10 Impacted Airlines</a:t>
+            </a:r>
+            <a:endParaRPr lang="en-US">
+              <a:solidFill>
+                <a:schemeClr val="accent1">
+                  <a:lumMod val="75000"/>
+                </a:schemeClr>
+              </a:solidFill>
+              <a:effectLst/>
+            </a:endParaRPr>
+          </a:p>
+        </c:rich>
+      </c:tx>
+      <c:overlay val="0"/>
+      <c:spPr>
+        <a:noFill/>
+        <a:ln>
+          <a:noFill/>
+        </a:ln>
+        <a:effectLst/>
+      </c:spPr>
+      <c:txPr>
+        <a:bodyPr rot="0" spcFirstLastPara="1" vertOverflow="ellipsis" vert="horz" wrap="square" anchor="ctr" anchorCtr="1"/>
+        <a:lstStyle/>
+        <a:p>
+          <a:pPr>
+            <a:defRPr sz="1400" b="0" i="0" u="none" strike="noStrike" kern="1200" spc="0" baseline="0">
+              <a:solidFill>
+                <a:schemeClr val="tx1">
+                  <a:lumMod val="65000"/>
+                  <a:lumOff val="35000"/>
+                </a:schemeClr>
+              </a:solidFill>
+              <a:latin typeface="+mn-lt"/>
+              <a:ea typeface="+mn-ea"/>
+              <a:cs typeface="+mn-cs"/>
+            </a:defRPr>
+          </a:pPr>
+          <a:endParaRPr lang="en-US"/>
+        </a:p>
+      </c:txPr>
+    </c:title>
+    <c:autoTitleDeleted val="0"/>
+    <c:plotArea>
+      <c:layout/>
+      <c:barChart>
+        <c:barDir val="col"/>
+        <c:grouping val="clustered"/>
+        <c:varyColors val="0"/>
+        <c:ser>
+          <c:idx val="0"/>
+          <c:order val="0"/>
+          <c:tx>
+            <c:strRef>
+              <c:f>'[2019 - 2020_MARKET_ALL_CARRIER.xlsx]Carrier Analysis'!$I$5</c:f>
+              <c:strCache>
+                <c:ptCount val="1"/>
+                <c:pt idx="0">
+                  <c:v>2019</c:v>
+                </c:pt>
+              </c:strCache>
+            </c:strRef>
+          </c:tx>
+          <c:spPr>
+            <a:solidFill>
+              <a:schemeClr val="accent1"/>
+            </a:solidFill>
+            <a:ln>
+              <a:noFill/>
+            </a:ln>
+            <a:effectLst/>
+          </c:spPr>
+          <c:invertIfNegative val="0"/>
+          <c:cat>
+            <c:strRef>
+              <c:f>'[2019 - 2020_MARKET_ALL_CARRIER.xlsx]Carrier Analysis'!$H$6:$H$15</c:f>
+              <c:strCache>
+                <c:ptCount val="10"/>
+                <c:pt idx="0">
+                  <c:v>Southwest Airlines</c:v>
+                </c:pt>
+                <c:pt idx="1">
+                  <c:v>American Airlines</c:v>
+                </c:pt>
+                <c:pt idx="2">
+                  <c:v>Delta Air Lines</c:v>
+                </c:pt>
+                <c:pt idx="3">
+                  <c:v>United Air Lines</c:v>
+                </c:pt>
+                <c:pt idx="4">
+                  <c:v>SkyWest Airlines</c:v>
+                </c:pt>
+                <c:pt idx="5">
+                  <c:v>JetBlue Airways</c:v>
+                </c:pt>
+                <c:pt idx="6">
+                  <c:v>Spirit Air Lines</c:v>
+                </c:pt>
+                <c:pt idx="7">
+                  <c:v>Alaska Airlines</c:v>
+                </c:pt>
+                <c:pt idx="8">
+                  <c:v>Frontier Airlines</c:v>
+                </c:pt>
+                <c:pt idx="9">
+                  <c:v>Republic Airline</c:v>
+                </c:pt>
+              </c:strCache>
+            </c:strRef>
+          </c:cat>
+          <c:val>
+            <c:numRef>
+              <c:f>'[2019 - 2020_MARKET_ALL_CARRIER.xlsx]Carrier Analysis'!$I$6:$I$15</c:f>
+              <c:numCache>
+                <c:formatCode>General</c:formatCode>
+                <c:ptCount val="10"/>
+                <c:pt idx="0">
+                  <c:v>95079337</c:v>
+                </c:pt>
+                <c:pt idx="1">
+                  <c:v>90913747</c:v>
+                </c:pt>
+                <c:pt idx="2">
+                  <c:v>94187065</c:v>
+                </c:pt>
+                <c:pt idx="3">
+                  <c:v>67952671</c:v>
+                </c:pt>
+                <c:pt idx="4">
+                  <c:v>24258967</c:v>
+                </c:pt>
+                <c:pt idx="5">
+                  <c:v>25214365</c:v>
+                </c:pt>
+                <c:pt idx="6">
+                  <c:v>19625225</c:v>
+                </c:pt>
+                <c:pt idx="7">
+                  <c:v>20486173</c:v>
+                </c:pt>
+                <c:pt idx="8">
+                  <c:v>12717859</c:v>
+                </c:pt>
+                <c:pt idx="9">
+                  <c:v>10785836</c:v>
+                </c:pt>
+              </c:numCache>
+            </c:numRef>
+          </c:val>
+          <c:extLst>
+            <c:ext xmlns:c16="http://schemas.microsoft.com/office/drawing/2014/chart" uri="{C3380CC4-5D6E-409C-BE32-E72D297353CC}">
+              <c16:uniqueId val="{00000000-2B66-4033-89ED-CFE1B85D5ED5}"/>
+            </c:ext>
+          </c:extLst>
+        </c:ser>
+        <c:ser>
+          <c:idx val="1"/>
+          <c:order val="1"/>
+          <c:tx>
+            <c:strRef>
+              <c:f>'[2019 - 2020_MARKET_ALL_CARRIER.xlsx]Carrier Analysis'!$J$5</c:f>
+              <c:strCache>
+                <c:ptCount val="1"/>
+                <c:pt idx="0">
+                  <c:v>2020</c:v>
+                </c:pt>
+              </c:strCache>
+            </c:strRef>
+          </c:tx>
+          <c:spPr>
+            <a:solidFill>
+              <a:schemeClr val="accent2"/>
+            </a:solidFill>
+            <a:ln>
+              <a:noFill/>
+            </a:ln>
+            <a:effectLst/>
+          </c:spPr>
+          <c:invertIfNegative val="0"/>
+          <c:cat>
+            <c:strRef>
+              <c:f>'[2019 - 2020_MARKET_ALL_CARRIER.xlsx]Carrier Analysis'!$H$6:$H$15</c:f>
+              <c:strCache>
+                <c:ptCount val="10"/>
+                <c:pt idx="0">
+                  <c:v>Southwest Airlines</c:v>
+                </c:pt>
+                <c:pt idx="1">
+                  <c:v>American Airlines</c:v>
+                </c:pt>
+                <c:pt idx="2">
+                  <c:v>Delta Air Lines</c:v>
+                </c:pt>
+                <c:pt idx="3">
+                  <c:v>United Air Lines</c:v>
+                </c:pt>
+                <c:pt idx="4">
+                  <c:v>SkyWest Airlines</c:v>
+                </c:pt>
+                <c:pt idx="5">
+                  <c:v>JetBlue Airways</c:v>
+                </c:pt>
+                <c:pt idx="6">
+                  <c:v>Spirit Air Lines</c:v>
+                </c:pt>
+                <c:pt idx="7">
+                  <c:v>Alaska Airlines</c:v>
+                </c:pt>
+                <c:pt idx="8">
+                  <c:v>Frontier Airlines</c:v>
+                </c:pt>
+                <c:pt idx="9">
+                  <c:v>Republic Airline</c:v>
+                </c:pt>
+              </c:strCache>
+            </c:strRef>
+          </c:cat>
+          <c:val>
+            <c:numRef>
+              <c:f>'[2019 - 2020_MARKET_ALL_CARRIER.xlsx]Carrier Analysis'!$J$6:$J$15</c:f>
+              <c:numCache>
+                <c:formatCode>General</c:formatCode>
+                <c:ptCount val="10"/>
+                <c:pt idx="0">
+                  <c:v>41890297</c:v>
+                </c:pt>
+                <c:pt idx="1">
+                  <c:v>40446186</c:v>
+                </c:pt>
+                <c:pt idx="2">
+                  <c:v>36089503</c:v>
+                </c:pt>
+                <c:pt idx="3">
+                  <c:v>24019051</c:v>
+                </c:pt>
+                <c:pt idx="4">
+                  <c:v>11583395</c:v>
+                </c:pt>
+                <c:pt idx="5">
+                  <c:v>9547694</c:v>
+                </c:pt>
+                <c:pt idx="6">
+                  <c:v>10363928</c:v>
+                </c:pt>
+                <c:pt idx="7">
+                  <c:v>8251845</c:v>
+                </c:pt>
+                <c:pt idx="8">
+                  <c:v>6638307</c:v>
+                </c:pt>
+                <c:pt idx="9">
+                  <c:v>4948885</c:v>
+                </c:pt>
+              </c:numCache>
+            </c:numRef>
+          </c:val>
+          <c:extLst>
+            <c:ext xmlns:c16="http://schemas.microsoft.com/office/drawing/2014/chart" uri="{C3380CC4-5D6E-409C-BE32-E72D297353CC}">
+              <c16:uniqueId val="{00000001-2B66-4033-89ED-CFE1B85D5ED5}"/>
+            </c:ext>
+          </c:extLst>
+        </c:ser>
+        <c:dLbls>
+          <c:showLegendKey val="0"/>
+          <c:showVal val="0"/>
+          <c:showCatName val="0"/>
+          <c:showSerName val="0"/>
+          <c:showPercent val="0"/>
+          <c:showBubbleSize val="0"/>
+        </c:dLbls>
+        <c:gapWidth val="150"/>
+        <c:axId val="1658548448"/>
+        <c:axId val="1658551776"/>
+      </c:barChart>
+      <c:lineChart>
+        <c:grouping val="standard"/>
+        <c:varyColors val="0"/>
+        <c:ser>
+          <c:idx val="2"/>
+          <c:order val="2"/>
+          <c:tx>
+            <c:strRef>
+              <c:f>'[2019 - 2020_MARKET_ALL_CARRIER.xlsx]Carrier Analysis'!$K$5</c:f>
+              <c:strCache>
+                <c:ptCount val="1"/>
+                <c:pt idx="0">
+                  <c:v>Variation</c:v>
+                </c:pt>
+              </c:strCache>
+            </c:strRef>
+          </c:tx>
+          <c:spPr>
+            <a:ln w="28575" cap="rnd">
+              <a:solidFill>
+                <a:schemeClr val="accent3"/>
+              </a:solidFill>
+              <a:round/>
+            </a:ln>
+            <a:effectLst/>
+          </c:spPr>
+          <c:marker>
+            <c:symbol val="none"/>
+          </c:marker>
+          <c:cat>
+            <c:strRef>
+              <c:f>'[2019 - 2020_MARKET_ALL_CARRIER.xlsx]Carrier Analysis'!$H$6:$H$15</c:f>
+              <c:strCache>
+                <c:ptCount val="10"/>
+                <c:pt idx="0">
+                  <c:v>Southwest Airlines</c:v>
+                </c:pt>
+                <c:pt idx="1">
+                  <c:v>American Airlines</c:v>
+                </c:pt>
+                <c:pt idx="2">
+                  <c:v>Delta Air Lines</c:v>
+                </c:pt>
+                <c:pt idx="3">
+                  <c:v>United Air Lines</c:v>
+                </c:pt>
+                <c:pt idx="4">
+                  <c:v>SkyWest Airlines</c:v>
+                </c:pt>
+                <c:pt idx="5">
+                  <c:v>JetBlue Airways</c:v>
+                </c:pt>
+                <c:pt idx="6">
+                  <c:v>Spirit Air Lines</c:v>
+                </c:pt>
+                <c:pt idx="7">
+                  <c:v>Alaska Airlines</c:v>
+                </c:pt>
+                <c:pt idx="8">
+                  <c:v>Frontier Airlines</c:v>
+                </c:pt>
+                <c:pt idx="9">
+                  <c:v>Republic Airline</c:v>
+                </c:pt>
+              </c:strCache>
+            </c:strRef>
+          </c:cat>
+          <c:val>
+            <c:numRef>
+              <c:f>'[2019 - 2020_MARKET_ALL_CARRIER.xlsx]Carrier Analysis'!$K$6:$K$15</c:f>
+              <c:numCache>
+                <c:formatCode>0%</c:formatCode>
+                <c:ptCount val="10"/>
+                <c:pt idx="0">
+                  <c:v>-0.55941744734715604</c:v>
+                </c:pt>
+                <c:pt idx="1">
+                  <c:v>-0.55511473968837732</c:v>
+                </c:pt>
+                <c:pt idx="2">
+                  <c:v>-0.61683164243412825</c:v>
+                </c:pt>
+                <c:pt idx="3">
+                  <c:v>-0.64653264328638382</c:v>
+                </c:pt>
+                <c:pt idx="4">
+                  <c:v>-0.52251078951548102</c:v>
+                </c:pt>
+                <c:pt idx="5">
+                  <c:v>-0.62133910570422857</c:v>
+                </c:pt>
+                <c:pt idx="6">
+                  <c:v>-0.47190781252189462</c:v>
+                </c:pt>
+                <c:pt idx="7">
+                  <c:v>-0.59719929144403894</c:v>
+                </c:pt>
+                <c:pt idx="8">
+                  <c:v>-0.47803266257315791</c:v>
+                </c:pt>
+                <c:pt idx="9">
+                  <c:v>-0.5411681579434362</c:v>
+                </c:pt>
+              </c:numCache>
+            </c:numRef>
+          </c:val>
+          <c:smooth val="0"/>
+          <c:extLst>
+            <c:ext xmlns:c16="http://schemas.microsoft.com/office/drawing/2014/chart" uri="{C3380CC4-5D6E-409C-BE32-E72D297353CC}">
+              <c16:uniqueId val="{00000002-2B66-4033-89ED-CFE1B85D5ED5}"/>
+            </c:ext>
+          </c:extLst>
+        </c:ser>
+        <c:dLbls>
+          <c:showLegendKey val="0"/>
+          <c:showVal val="0"/>
+          <c:showCatName val="0"/>
+          <c:showSerName val="0"/>
+          <c:showPercent val="0"/>
+          <c:showBubbleSize val="0"/>
+        </c:dLbls>
+        <c:marker val="1"/>
+        <c:smooth val="0"/>
+        <c:axId val="1658546784"/>
+        <c:axId val="1658534304"/>
+      </c:lineChart>
+      <c:catAx>
+        <c:axId val="1658548448"/>
+        <c:scaling>
+          <c:orientation val="minMax"/>
+        </c:scaling>
+        <c:delete val="0"/>
+        <c:axPos val="b"/>
+        <c:numFmt formatCode="General" sourceLinked="1"/>
+        <c:majorTickMark val="none"/>
+        <c:minorTickMark val="none"/>
+        <c:tickLblPos val="nextTo"/>
+        <c:spPr>
+          <a:noFill/>
+          <a:ln w="9525" cap="flat" cmpd="sng" algn="ctr">
+            <a:solidFill>
+              <a:schemeClr val="tx1">
+                <a:lumMod val="15000"/>
+                <a:lumOff val="85000"/>
+              </a:schemeClr>
+            </a:solidFill>
+            <a:round/>
+          </a:ln>
+          <a:effectLst/>
+        </c:spPr>
+        <c:txPr>
+          <a:bodyPr rot="-60000000" spcFirstLastPara="1" vertOverflow="ellipsis" vert="horz" wrap="square" anchor="ctr" anchorCtr="1"/>
+          <a:lstStyle/>
+          <a:p>
+            <a:pPr>
+              <a:defRPr sz="900" b="0" i="0" u="none" strike="noStrike" kern="1200" baseline="0">
+                <a:solidFill>
+                  <a:schemeClr val="tx1">
+                    <a:lumMod val="65000"/>
+                    <a:lumOff val="35000"/>
+                  </a:schemeClr>
+                </a:solidFill>
+                <a:latin typeface="+mn-lt"/>
+                <a:ea typeface="+mn-ea"/>
+                <a:cs typeface="+mn-cs"/>
+              </a:defRPr>
+            </a:pPr>
+            <a:endParaRPr lang="en-US"/>
+          </a:p>
+        </c:txPr>
+        <c:crossAx val="1658551776"/>
+        <c:crosses val="autoZero"/>
+        <c:auto val="1"/>
+        <c:lblAlgn val="ctr"/>
+        <c:lblOffset val="100"/>
+        <c:noMultiLvlLbl val="0"/>
+      </c:catAx>
+      <c:valAx>
+        <c:axId val="1658551776"/>
+        <c:scaling>
+          <c:orientation val="minMax"/>
+        </c:scaling>
+        <c:delete val="0"/>
+        <c:axPos val="l"/>
+        <c:majorGridlines>
+          <c:spPr>
+            <a:ln w="9525" cap="flat" cmpd="sng" algn="ctr">
+              <a:solidFill>
+                <a:schemeClr val="tx1">
+                  <a:lumMod val="15000"/>
+                  <a:lumOff val="85000"/>
+                </a:schemeClr>
+              </a:solidFill>
+              <a:round/>
+            </a:ln>
+            <a:effectLst/>
+          </c:spPr>
+        </c:majorGridlines>
+        <c:numFmt formatCode="General" sourceLinked="1"/>
+        <c:majorTickMark val="none"/>
+        <c:minorTickMark val="none"/>
+        <c:tickLblPos val="nextTo"/>
+        <c:spPr>
+          <a:noFill/>
+          <a:ln>
+            <a:noFill/>
+          </a:ln>
+          <a:effectLst/>
+        </c:spPr>
+        <c:txPr>
+          <a:bodyPr rot="-60000000" spcFirstLastPara="1" vertOverflow="ellipsis" vert="horz" wrap="square" anchor="ctr" anchorCtr="1"/>
+          <a:lstStyle/>
+          <a:p>
+            <a:pPr>
+              <a:defRPr sz="900" b="0" i="0" u="none" strike="noStrike" kern="1200" baseline="0">
+                <a:solidFill>
+                  <a:schemeClr val="tx1">
+                    <a:lumMod val="65000"/>
+                    <a:lumOff val="35000"/>
+                  </a:schemeClr>
+                </a:solidFill>
+                <a:latin typeface="+mn-lt"/>
+                <a:ea typeface="+mn-ea"/>
+                <a:cs typeface="+mn-cs"/>
+              </a:defRPr>
+            </a:pPr>
+            <a:endParaRPr lang="en-US"/>
+          </a:p>
+        </c:txPr>
+        <c:crossAx val="1658548448"/>
+        <c:crosses val="autoZero"/>
+        <c:crossBetween val="between"/>
+      </c:valAx>
+      <c:valAx>
+        <c:axId val="1658534304"/>
+        <c:scaling>
+          <c:orientation val="minMax"/>
+        </c:scaling>
+        <c:delete val="0"/>
+        <c:axPos val="r"/>
+        <c:numFmt formatCode="0%" sourceLinked="1"/>
+        <c:majorTickMark val="none"/>
+        <c:minorTickMark val="none"/>
+        <c:tickLblPos val="nextTo"/>
+        <c:spPr>
+          <a:noFill/>
+          <a:ln>
+            <a:noFill/>
+          </a:ln>
+          <a:effectLst/>
+        </c:spPr>
+        <c:txPr>
+          <a:bodyPr rot="-60000000" spcFirstLastPara="1" vertOverflow="ellipsis" vert="horz" wrap="square" anchor="ctr" anchorCtr="1"/>
+          <a:lstStyle/>
+          <a:p>
+            <a:pPr>
+              <a:defRPr sz="900" b="0" i="0" u="none" strike="noStrike" kern="1200" baseline="0">
+                <a:solidFill>
+                  <a:schemeClr val="tx1">
+                    <a:lumMod val="65000"/>
+                    <a:lumOff val="35000"/>
+                  </a:schemeClr>
+                </a:solidFill>
+                <a:latin typeface="+mn-lt"/>
+                <a:ea typeface="+mn-ea"/>
+                <a:cs typeface="+mn-cs"/>
+              </a:defRPr>
+            </a:pPr>
+            <a:endParaRPr lang="en-US"/>
+          </a:p>
+        </c:txPr>
+        <c:crossAx val="1658546784"/>
+        <c:crosses val="max"/>
+        <c:crossBetween val="between"/>
+      </c:valAx>
+      <c:catAx>
+        <c:axId val="1658546784"/>
+        <c:scaling>
+          <c:orientation val="minMax"/>
+        </c:scaling>
+        <c:delete val="1"/>
+        <c:axPos val="b"/>
+        <c:numFmt formatCode="General" sourceLinked="1"/>
+        <c:majorTickMark val="none"/>
+        <c:minorTickMark val="none"/>
+        <c:tickLblPos val="nextTo"/>
+        <c:crossAx val="1658534304"/>
+        <c:crosses val="autoZero"/>
+        <c:auto val="1"/>
+        <c:lblAlgn val="ctr"/>
+        <c:lblOffset val="100"/>
+        <c:noMultiLvlLbl val="0"/>
+      </c:catAx>
+      <c:spPr>
+        <a:noFill/>
+        <a:ln>
+          <a:noFill/>
+        </a:ln>
+        <a:effectLst/>
+      </c:spPr>
+    </c:plotArea>
+    <c:legend>
+      <c:legendPos val="b"/>
+      <c:overlay val="0"/>
+      <c:spPr>
+        <a:noFill/>
+        <a:ln>
+          <a:noFill/>
+        </a:ln>
+        <a:effectLst/>
+      </c:spPr>
+      <c:txPr>
+        <a:bodyPr rot="0" spcFirstLastPara="1" vertOverflow="ellipsis" vert="horz" wrap="square" anchor="ctr" anchorCtr="1"/>
+        <a:lstStyle/>
+        <a:p>
+          <a:pPr>
+            <a:defRPr sz="900" b="0" i="0" u="none" strike="noStrike" kern="1200" baseline="0">
+              <a:solidFill>
+                <a:schemeClr val="tx1">
+                  <a:lumMod val="65000"/>
+                  <a:lumOff val="35000"/>
+                </a:schemeClr>
+              </a:solidFill>
+              <a:latin typeface="+mn-lt"/>
+              <a:ea typeface="+mn-ea"/>
+              <a:cs typeface="+mn-cs"/>
+            </a:defRPr>
+          </a:pPr>
+          <a:endParaRPr lang="en-US"/>
+        </a:p>
+      </c:txPr>
+    </c:legend>
+    <c:plotVisOnly val="1"/>
+    <c:dispBlanksAs val="gap"/>
+    <c:extLst>
+      <c:ext xmlns:c16r3="http://schemas.microsoft.com/office/drawing/2017/03/chart" uri="{56B9EC1D-385E-4148-901F-78D8002777C0}">
+        <c16r3:dataDisplayOptions16>
+          <c16r3:dispNaAsBlank val="1"/>
+        </c16r3:dataDisplayOptions16>
+      </c:ext>
+    </c:extLst>
+    <c:showDLblsOverMax val="0"/>
+  </c:chart>
+  <c:spPr>
+    <a:noFill/>
+    <a:ln>
+      <a:noFill/>
+    </a:ln>
+    <a:effectLst/>
+  </c:spPr>
+  <c:txPr>
+    <a:bodyPr/>
+    <a:lstStyle/>
+    <a:p>
+      <a:pPr>
+        <a:defRPr/>
+      </a:pPr>
+      <a:endParaRPr lang="en-US"/>
+    </a:p>
+  </c:txPr>
+  <c:externalData r:id="rId3">
+    <c:autoUpdate val="0"/>
+  </c:externalData>
+</c:chartSpace>
+</file>
+
+<file path=ppt/charts/chart2.xml><?xml version="1.0" encoding="utf-8"?>
+<c:chartSpace xmlns:c="http://schemas.openxmlformats.org/drawingml/2006/chart" xmlns:a="http://schemas.openxmlformats.org/drawingml/2006/main" xmlns:r="http://schemas.openxmlformats.org/officeDocument/2006/relationships" xmlns:c16r2="http://schemas.microsoft.com/office/drawing/2015/06/chart">
+  <c:date1904 val="0"/>
+  <c:lang val="en-US"/>
+  <c:roundedCorners val="0"/>
+  <mc:AlternateContent xmlns:mc="http://schemas.openxmlformats.org/markup-compatibility/2006">
+    <mc:Choice xmlns:c14="http://schemas.microsoft.com/office/drawing/2007/8/2/chart" Requires="c14">
+      <c14:style val="102"/>
+    </mc:Choice>
+    <mc:Fallback>
+      <c:style val="2"/>
+    </mc:Fallback>
+  </mc:AlternateContent>
+  <c:chart>
+    <c:title>
+      <c:tx>
+        <c:rich>
+          <a:bodyPr rot="0" spcFirstLastPara="1" vertOverflow="ellipsis" vert="horz" wrap="square" anchor="ctr" anchorCtr="1"/>
+          <a:lstStyle/>
+          <a:p>
+            <a:pPr>
+              <a:defRPr sz="1800" b="0" i="0" u="none" strike="noStrike" kern="1200" spc="0" baseline="0">
+                <a:solidFill>
+                  <a:schemeClr val="tx1">
+                    <a:lumMod val="65000"/>
+                    <a:lumOff val="35000"/>
+                  </a:schemeClr>
+                </a:solidFill>
+                <a:latin typeface="+mn-lt"/>
+                <a:ea typeface="+mn-ea"/>
+                <a:cs typeface="+mn-cs"/>
+              </a:defRPr>
+            </a:pPr>
+            <a:r>
+              <a:rPr lang="en-US" sz="1800" b="1">
+                <a:solidFill>
+                  <a:schemeClr val="accent1">
+                    <a:lumMod val="75000"/>
+                  </a:schemeClr>
+                </a:solidFill>
+              </a:rPr>
+              <a:t>Passengers Reduction %</a:t>
+            </a:r>
+          </a:p>
+        </c:rich>
+      </c:tx>
+      <c:overlay val="0"/>
+      <c:spPr>
+        <a:noFill/>
+        <a:ln>
+          <a:noFill/>
+        </a:ln>
+        <a:effectLst/>
+      </c:spPr>
+      <c:txPr>
+        <a:bodyPr rot="0" spcFirstLastPara="1" vertOverflow="ellipsis" vert="horz" wrap="square" anchor="ctr" anchorCtr="1"/>
+        <a:lstStyle/>
+        <a:p>
+          <a:pPr>
+            <a:defRPr sz="1800" b="0" i="0" u="none" strike="noStrike" kern="1200" spc="0" baseline="0">
+              <a:solidFill>
+                <a:schemeClr val="tx1">
+                  <a:lumMod val="65000"/>
+                  <a:lumOff val="35000"/>
+                </a:schemeClr>
+              </a:solidFill>
+              <a:latin typeface="+mn-lt"/>
+              <a:ea typeface="+mn-ea"/>
+              <a:cs typeface="+mn-cs"/>
+            </a:defRPr>
+          </a:pPr>
+          <a:endParaRPr lang="en-US"/>
+        </a:p>
+      </c:txPr>
+    </c:title>
+    <c:autoTitleDeleted val="0"/>
+    <c:plotArea>
+      <c:layout/>
+      <c:doughnutChart>
+        <c:varyColors val="1"/>
+        <c:ser>
+          <c:idx val="0"/>
+          <c:order val="0"/>
+          <c:tx>
+            <c:strRef>
+              <c:f>'[2019 - 2020_MARKET_ALL_CARRIER.xlsx]Carrier Analysis'!$BO$5</c:f>
+              <c:strCache>
+                <c:ptCount val="1"/>
+                <c:pt idx="0">
+                  <c:v>Passengers Reduction %</c:v>
+                </c:pt>
+              </c:strCache>
+            </c:strRef>
+          </c:tx>
+          <c:dPt>
+            <c:idx val="0"/>
+            <c:bubble3D val="0"/>
+            <c:spPr>
+              <a:solidFill>
+                <a:schemeClr val="accent1"/>
+              </a:solidFill>
+              <a:ln w="19050">
+                <a:solidFill>
+                  <a:schemeClr val="lt1"/>
+                </a:solidFill>
+              </a:ln>
+              <a:effectLst/>
+            </c:spPr>
+            <c:extLst>
+              <c:ext xmlns:c16="http://schemas.microsoft.com/office/drawing/2014/chart" uri="{C3380CC4-5D6E-409C-BE32-E72D297353CC}">
+                <c16:uniqueId val="{00000001-3A71-41AB-B4E7-50E2D0C3F9A7}"/>
+              </c:ext>
+            </c:extLst>
+          </c:dPt>
+          <c:dPt>
+            <c:idx val="1"/>
+            <c:bubble3D val="0"/>
+            <c:spPr>
+              <a:solidFill>
+                <a:schemeClr val="accent2"/>
+              </a:solidFill>
+              <a:ln w="19050">
+                <a:solidFill>
+                  <a:schemeClr val="lt1"/>
+                </a:solidFill>
+              </a:ln>
+              <a:effectLst/>
+            </c:spPr>
+            <c:extLst>
+              <c:ext xmlns:c16="http://schemas.microsoft.com/office/drawing/2014/chart" uri="{C3380CC4-5D6E-409C-BE32-E72D297353CC}">
+                <c16:uniqueId val="{00000003-3A71-41AB-B4E7-50E2D0C3F9A7}"/>
+              </c:ext>
+            </c:extLst>
+          </c:dPt>
+          <c:dLbls>
+            <c:spPr>
+              <a:noFill/>
+              <a:ln>
+                <a:noFill/>
+              </a:ln>
+              <a:effectLst/>
+            </c:spPr>
+            <c:txPr>
+              <a:bodyPr rot="0" spcFirstLastPara="1" vertOverflow="ellipsis" vert="horz" wrap="square" lIns="38100" tIns="19050" rIns="38100" bIns="19050" anchor="ctr" anchorCtr="1">
+                <a:spAutoFit/>
+              </a:bodyPr>
+              <a:lstStyle/>
+              <a:p>
+                <a:pPr>
+                  <a:defRPr sz="1100" b="1" i="0" u="none" strike="noStrike" kern="1200" baseline="0">
+                    <a:solidFill>
+                      <a:schemeClr val="bg1"/>
+                    </a:solidFill>
+                    <a:latin typeface="+mn-lt"/>
+                    <a:ea typeface="+mn-ea"/>
+                    <a:cs typeface="+mn-cs"/>
+                  </a:defRPr>
+                </a:pPr>
+                <a:endParaRPr lang="en-US"/>
+              </a:p>
+            </c:txPr>
+            <c:showLegendKey val="0"/>
+            <c:showVal val="1"/>
+            <c:showCatName val="0"/>
+            <c:showSerName val="0"/>
+            <c:showPercent val="0"/>
+            <c:showBubbleSize val="0"/>
+            <c:showLeaderLines val="1"/>
+            <c:leaderLines>
+              <c:spPr>
+                <a:ln w="9525" cap="flat" cmpd="sng" algn="ctr">
+                  <a:solidFill>
+                    <a:schemeClr val="tx1">
+                      <a:lumMod val="35000"/>
+                      <a:lumOff val="65000"/>
+                    </a:schemeClr>
+                  </a:solidFill>
+                  <a:round/>
+                </a:ln>
+                <a:effectLst/>
+              </c:spPr>
+            </c:leaderLines>
+            <c:extLst>
+              <c:ext xmlns:c15="http://schemas.microsoft.com/office/drawing/2012/chart" uri="{CE6537A1-D6FC-4f65-9D91-7224C49458BB}"/>
+            </c:extLst>
+          </c:dLbls>
+          <c:cat>
+            <c:strRef>
+              <c:f>'[2019 - 2020_MARKET_ALL_CARRIER.xlsx]Carrier Analysis'!$BN$6:$BN$7</c:f>
+              <c:strCache>
+                <c:ptCount val="2"/>
+                <c:pt idx="0">
+                  <c:v>Top 10 impacted airlines</c:v>
+                </c:pt>
+                <c:pt idx="1">
+                  <c:v>Others</c:v>
+                </c:pt>
+              </c:strCache>
+            </c:strRef>
+          </c:cat>
+          <c:val>
+            <c:numRef>
+              <c:f>'[2019 - 2020_MARKET_ALL_CARRIER.xlsx]Carrier Analysis'!$BO$6:$BO$7</c:f>
+              <c:numCache>
+                <c:formatCode>0%</c:formatCode>
+                <c:ptCount val="2"/>
+                <c:pt idx="0">
+                  <c:v>0.74255753452226814</c:v>
+                </c:pt>
+                <c:pt idx="1">
+                  <c:v>0.25744246547773209</c:v>
+                </c:pt>
+              </c:numCache>
+            </c:numRef>
+          </c:val>
+          <c:extLst>
+            <c:ext xmlns:c16="http://schemas.microsoft.com/office/drawing/2014/chart" uri="{C3380CC4-5D6E-409C-BE32-E72D297353CC}">
+              <c16:uniqueId val="{00000004-3A71-41AB-B4E7-50E2D0C3F9A7}"/>
+            </c:ext>
+          </c:extLst>
+        </c:ser>
+        <c:dLbls>
+          <c:showLegendKey val="0"/>
+          <c:showVal val="0"/>
+          <c:showCatName val="0"/>
+          <c:showSerName val="0"/>
+          <c:showPercent val="0"/>
+          <c:showBubbleSize val="0"/>
+          <c:showLeaderLines val="1"/>
+        </c:dLbls>
+        <c:firstSliceAng val="0"/>
+        <c:holeSize val="75"/>
+      </c:doughnutChart>
+      <c:spPr>
+        <a:noFill/>
+        <a:ln>
+          <a:noFill/>
+        </a:ln>
+        <a:effectLst/>
+      </c:spPr>
+    </c:plotArea>
+    <c:legend>
+      <c:legendPos val="b"/>
+      <c:overlay val="0"/>
+      <c:spPr>
+        <a:noFill/>
+        <a:ln>
+          <a:noFill/>
+        </a:ln>
+        <a:effectLst/>
+      </c:spPr>
+      <c:txPr>
+        <a:bodyPr rot="0" spcFirstLastPara="1" vertOverflow="ellipsis" vert="horz" wrap="square" anchor="ctr" anchorCtr="1"/>
+        <a:lstStyle/>
+        <a:p>
+          <a:pPr>
+            <a:defRPr sz="900" b="0" i="0" u="none" strike="noStrike" kern="1200" baseline="0">
+              <a:solidFill>
+                <a:schemeClr val="tx1">
+                  <a:lumMod val="65000"/>
+                  <a:lumOff val="35000"/>
+                </a:schemeClr>
+              </a:solidFill>
+              <a:latin typeface="+mn-lt"/>
+              <a:ea typeface="+mn-ea"/>
+              <a:cs typeface="+mn-cs"/>
+            </a:defRPr>
+          </a:pPr>
+          <a:endParaRPr lang="en-US"/>
+        </a:p>
+      </c:txPr>
+    </c:legend>
+    <c:plotVisOnly val="1"/>
+    <c:dispBlanksAs val="gap"/>
+    <c:extLst>
+      <c:ext xmlns:c16r3="http://schemas.microsoft.com/office/drawing/2017/03/chart" uri="{56B9EC1D-385E-4148-901F-78D8002777C0}">
+        <c16r3:dataDisplayOptions16>
+          <c16r3:dispNaAsBlank val="1"/>
+        </c16r3:dataDisplayOptions16>
+      </c:ext>
+    </c:extLst>
+    <c:showDLblsOverMax val="0"/>
+  </c:chart>
+  <c:spPr>
+    <a:noFill/>
+    <a:ln>
+      <a:noFill/>
+    </a:ln>
+    <a:effectLst/>
+  </c:spPr>
+  <c:txPr>
+    <a:bodyPr/>
+    <a:lstStyle/>
+    <a:p>
+      <a:pPr>
+        <a:defRPr/>
+      </a:pPr>
+      <a:endParaRPr lang="en-US"/>
+    </a:p>
+  </c:txPr>
+  <c:externalData r:id="rId3">
+    <c:autoUpdate val="0"/>
+  </c:externalData>
+</c:chartSpace>
+</file>
+
+<file path=ppt/charts/colors1.xml><?xml version="1.0" encoding="utf-8"?>
+<cs:colorStyle xmlns:cs="http://schemas.microsoft.com/office/drawing/2012/chartStyle" xmlns:a="http://schemas.openxmlformats.org/drawingml/2006/main" meth="cycle" id="10">
+  <a:schemeClr val="accent1"/>
+  <a:schemeClr val="accent2"/>
+  <a:schemeClr val="accent3"/>
+  <a:schemeClr val="accent4"/>
+  <a:schemeClr val="accent5"/>
+  <a:schemeClr val="accent6"/>
+  <cs:variation/>
+  <cs:variation>
+    <a:lumMod val="60000"/>
+  </cs:variation>
+  <cs:variation>
+    <a:lumMod val="80000"/>
+    <a:lumOff val="20000"/>
+  </cs:variation>
+  <cs:variation>
+    <a:lumMod val="80000"/>
+  </cs:variation>
+  <cs:variation>
+    <a:lumMod val="60000"/>
+    <a:lumOff val="40000"/>
+  </cs:variation>
+  <cs:variation>
+    <a:lumMod val="50000"/>
+  </cs:variation>
+  <cs:variation>
+    <a:lumMod val="70000"/>
+    <a:lumOff val="30000"/>
+  </cs:variation>
+  <cs:variation>
+    <a:lumMod val="70000"/>
+  </cs:variation>
+  <cs:variation>
+    <a:lumMod val="50000"/>
+    <a:lumOff val="50000"/>
+  </cs:variation>
+</cs:colorStyle>
+</file>
+
+<file path=ppt/charts/colors2.xml><?xml version="1.0" encoding="utf-8"?>
+<cs:colorStyle xmlns:cs="http://schemas.microsoft.com/office/drawing/2012/chartStyle" xmlns:a="http://schemas.openxmlformats.org/drawingml/2006/main" meth="cycle" id="10">
+  <a:schemeClr val="accent1"/>
+  <a:schemeClr val="accent2"/>
+  <a:schemeClr val="accent3"/>
+  <a:schemeClr val="accent4"/>
+  <a:schemeClr val="accent5"/>
+  <a:schemeClr val="accent6"/>
+  <cs:variation/>
+  <cs:variation>
+    <a:lumMod val="60000"/>
+  </cs:variation>
+  <cs:variation>
+    <a:lumMod val="80000"/>
+    <a:lumOff val="20000"/>
+  </cs:variation>
+  <cs:variation>
+    <a:lumMod val="80000"/>
+  </cs:variation>
+  <cs:variation>
+    <a:lumMod val="60000"/>
+    <a:lumOff val="40000"/>
+  </cs:variation>
+  <cs:variation>
+    <a:lumMod val="50000"/>
+  </cs:variation>
+  <cs:variation>
+    <a:lumMod val="70000"/>
+    <a:lumOff val="30000"/>
+  </cs:variation>
+  <cs:variation>
+    <a:lumMod val="70000"/>
+  </cs:variation>
+  <cs:variation>
+    <a:lumMod val="50000"/>
+    <a:lumOff val="50000"/>
+  </cs:variation>
+</cs:colorStyle>
+</file>
+
+<file path=ppt/charts/style1.xml><?xml version="1.0" encoding="utf-8"?>
+<cs:chartStyle xmlns:cs="http://schemas.microsoft.com/office/drawing/2012/chartStyle" xmlns:a="http://schemas.openxmlformats.org/drawingml/2006/main" id="322">
+  <cs:axisTitle>
+    <cs:lnRef idx="0"/>
+    <cs:fillRef idx="0"/>
+    <cs:effectRef idx="0"/>
+    <cs:fontRef idx="minor">
+      <a:schemeClr val="tx1">
+        <a:lumMod val="65000"/>
+        <a:lumOff val="35000"/>
+      </a:schemeClr>
+    </cs:fontRef>
+    <cs:defRPr sz="1000" kern="1200"/>
+  </cs:axisTitle>
+  <cs:categoryAxis>
+    <cs:lnRef idx="0"/>
+    <cs:fillRef idx="0"/>
+    <cs:effectRef idx="0"/>
+    <cs:fontRef idx="minor">
+      <a:schemeClr val="tx1">
+        <a:lumMod val="65000"/>
+        <a:lumOff val="35000"/>
+      </a:schemeClr>
+    </cs:fontRef>
+    <cs:spPr>
+      <a:ln w="9525" cap="flat" cmpd="sng" algn="ctr">
+        <a:solidFill>
+          <a:schemeClr val="tx1">
+            <a:lumMod val="15000"/>
+            <a:lumOff val="85000"/>
+          </a:schemeClr>
+        </a:solidFill>
+        <a:round/>
+      </a:ln>
+    </cs:spPr>
+    <cs:defRPr sz="900" kern="1200"/>
+  </cs:categoryAxis>
+  <cs:chartArea mods="allowNoFillOverride allowNoLineOverride">
+    <cs:lnRef idx="0"/>
+    <cs:fillRef idx="0"/>
+    <cs:effectRef idx="0"/>
+    <cs:fontRef idx="minor">
+      <a:schemeClr val="tx1"/>
+    </cs:fontRef>
+    <cs:spPr>
+      <a:solidFill>
+        <a:schemeClr val="bg1"/>
+      </a:solidFill>
+      <a:ln w="9525" cap="flat" cmpd="sng" algn="ctr">
+        <a:solidFill>
+          <a:schemeClr val="tx1">
+            <a:lumMod val="15000"/>
+            <a:lumOff val="85000"/>
+          </a:schemeClr>
+        </a:solidFill>
+        <a:round/>
+      </a:ln>
+    </cs:spPr>
+    <cs:defRPr sz="1000" kern="1200"/>
+  </cs:chartArea>
+  <cs:dataLabel>
+    <cs:lnRef idx="0"/>
+    <cs:fillRef idx="0"/>
+    <cs:effectRef idx="0"/>
+    <cs:fontRef idx="minor">
+      <a:schemeClr val="tx1">
+        <a:lumMod val="75000"/>
+        <a:lumOff val="25000"/>
+      </a:schemeClr>
+    </cs:fontRef>
+    <cs:defRPr sz="900" kern="1200"/>
+  </cs:dataLabel>
+  <cs:dataLabelCallout>
+    <cs:lnRef idx="0"/>
+    <cs:fillRef idx="0"/>
+    <cs:effectRef idx="0"/>
+    <cs:fontRef idx="minor">
+      <a:schemeClr val="dk1">
+        <a:lumMod val="65000"/>
+        <a:lumOff val="35000"/>
+      </a:schemeClr>
+    </cs:fontRef>
+    <cs:spPr>
+      <a:solidFill>
+        <a:schemeClr val="lt1"/>
+      </a:solidFill>
+      <a:ln>
+        <a:solidFill>
+          <a:schemeClr val="dk1">
+            <a:lumMod val="25000"/>
+            <a:lumOff val="75000"/>
+          </a:schemeClr>
+        </a:solidFill>
+      </a:ln>
+    </cs:spPr>
+    <cs:defRPr sz="900" kern="1200"/>
+    <cs:bodyPr rot="0" spcFirstLastPara="1" vertOverflow="clip" horzOverflow="clip" vert="horz" wrap="square" lIns="36576" tIns="18288" rIns="36576" bIns="18288" anchor="ctr" anchorCtr="1">
+      <a:spAutoFit/>
+    </cs:bodyPr>
+  </cs:dataLabelCallout>
+  <cs:dataPoint>
+    <cs:lnRef idx="0"/>
+    <cs:fillRef idx="1">
+      <cs:styleClr val="auto"/>
+    </cs:fillRef>
+    <cs:effectRef idx="0"/>
+    <cs:fontRef idx="minor">
+      <a:schemeClr val="tx1"/>
+    </cs:fontRef>
+  </cs:dataPoint>
+  <cs:dataPoint3D>
+    <cs:lnRef idx="0"/>
+    <cs:fillRef idx="1">
+      <cs:styleClr val="auto"/>
+    </cs:fillRef>
+    <cs:effectRef idx="0"/>
+    <cs:fontRef idx="minor">
+      <a:schemeClr val="tx1"/>
+    </cs:fontRef>
+  </cs:dataPoint3D>
+  <cs:dataPointLine>
+    <cs:lnRef idx="0">
+      <cs:styleClr val="auto"/>
+    </cs:lnRef>
+    <cs:fillRef idx="1"/>
+    <cs:effectRef idx="0"/>
+    <cs:fontRef idx="minor">
+      <a:schemeClr val="tx1"/>
+    </cs:fontRef>
+    <cs:spPr>
+      <a:ln w="28575" cap="rnd">
+        <a:solidFill>
+          <a:schemeClr val="phClr"/>
+        </a:solidFill>
+        <a:round/>
+      </a:ln>
+    </cs:spPr>
+  </cs:dataPointLine>
+  <cs:dataPointMarker>
+    <cs:lnRef idx="0">
+      <cs:styleClr val="auto"/>
+    </cs:lnRef>
+    <cs:fillRef idx="1">
+      <cs:styleClr val="auto"/>
+    </cs:fillRef>
+    <cs:effectRef idx="0"/>
+    <cs:fontRef idx="minor">
+      <a:schemeClr val="tx1"/>
+    </cs:fontRef>
+    <cs:spPr>
+      <a:ln w="9525">
+        <a:solidFill>
+          <a:schemeClr val="phClr"/>
+        </a:solidFill>
+      </a:ln>
+    </cs:spPr>
+  </cs:dataPointMarker>
+  <cs:dataPointMarkerLayout symbol="circle" size="5"/>
+  <cs:dataPointWireframe>
+    <cs:lnRef idx="0">
+      <cs:styleClr val="auto"/>
+    </cs:lnRef>
+    <cs:fillRef idx="1"/>
+    <cs:effectRef idx="0"/>
+    <cs:fontRef idx="minor">
+      <a:schemeClr val="tx1"/>
+    </cs:fontRef>
+    <cs:spPr>
+      <a:ln w="9525" cap="rnd">
+        <a:solidFill>
+          <a:schemeClr val="phClr"/>
+        </a:solidFill>
+        <a:round/>
+      </a:ln>
+    </cs:spPr>
+  </cs:dataPointWireframe>
+  <cs:dataTable>
+    <cs:lnRef idx="0"/>
+    <cs:fillRef idx="0"/>
+    <cs:effectRef idx="0"/>
+    <cs:fontRef idx="minor">
+      <a:schemeClr val="tx1">
+        <a:lumMod val="65000"/>
+        <a:lumOff val="35000"/>
+      </a:schemeClr>
+    </cs:fontRef>
+    <cs:spPr>
+      <a:noFill/>
+      <a:ln w="9525" cap="flat" cmpd="sng" algn="ctr">
+        <a:solidFill>
+          <a:schemeClr val="tx1">
+            <a:lumMod val="15000"/>
+            <a:lumOff val="85000"/>
+          </a:schemeClr>
+        </a:solidFill>
+        <a:round/>
+      </a:ln>
+    </cs:spPr>
+    <cs:defRPr sz="900" kern="1200"/>
+  </cs:dataTable>
+  <cs:downBar>
+    <cs:lnRef idx="0"/>
+    <cs:fillRef idx="0"/>
+    <cs:effectRef idx="0"/>
+    <cs:fontRef idx="minor">
+      <a:schemeClr val="tx1"/>
+    </cs:fontRef>
+    <cs:spPr>
+      <a:solidFill>
+        <a:schemeClr val="dk1">
+          <a:lumMod val="75000"/>
+          <a:lumOff val="25000"/>
+        </a:schemeClr>
+      </a:solidFill>
+      <a:ln w="9525" cap="flat" cmpd="sng" algn="ctr">
+        <a:solidFill>
+          <a:schemeClr val="tx1">
+            <a:lumMod val="65000"/>
+            <a:lumOff val="35000"/>
+          </a:schemeClr>
+        </a:solidFill>
+        <a:round/>
+      </a:ln>
+    </cs:spPr>
+  </cs:downBar>
+  <cs:dropLine>
+    <cs:lnRef idx="0"/>
+    <cs:fillRef idx="0"/>
+    <cs:effectRef idx="0"/>
+    <cs:fontRef idx="minor">
+      <a:schemeClr val="tx1"/>
+    </cs:fontRef>
+    <cs:spPr>
+      <a:ln w="9525" cap="flat" cmpd="sng" algn="ctr">
+        <a:solidFill>
+          <a:schemeClr val="tx1">
+            <a:lumMod val="35000"/>
+            <a:lumOff val="65000"/>
+          </a:schemeClr>
+        </a:solidFill>
+        <a:round/>
+      </a:ln>
+    </cs:spPr>
+  </cs:dropLine>
+  <cs:errorBar>
+    <cs:lnRef idx="0"/>
+    <cs:fillRef idx="0"/>
+    <cs:effectRef idx="0"/>
+    <cs:fontRef idx="minor">
+      <a:schemeClr val="tx1"/>
+    </cs:fontRef>
+    <cs:spPr>
+      <a:ln w="9525" cap="flat" cmpd="sng" algn="ctr">
+        <a:solidFill>
+          <a:schemeClr val="tx1">
+            <a:lumMod val="65000"/>
+            <a:lumOff val="35000"/>
+          </a:schemeClr>
+        </a:solidFill>
+        <a:round/>
+      </a:ln>
+    </cs:spPr>
+  </cs:errorBar>
+  <cs:floor>
+    <cs:lnRef idx="0"/>
+    <cs:fillRef idx="0"/>
+    <cs:effectRef idx="0"/>
+    <cs:fontRef idx="minor">
+      <a:schemeClr val="tx1"/>
+    </cs:fontRef>
+    <cs:spPr>
+      <a:noFill/>
+      <a:ln>
+        <a:noFill/>
+      </a:ln>
+    </cs:spPr>
+  </cs:floor>
+  <cs:gridlineMajor>
+    <cs:lnRef idx="0"/>
+    <cs:fillRef idx="0"/>
+    <cs:effectRef idx="0"/>
+    <cs:fontRef idx="minor">
+      <a:schemeClr val="tx1"/>
+    </cs:fontRef>
+    <cs:spPr>
+      <a:ln w="9525" cap="flat" cmpd="sng" algn="ctr">
+        <a:solidFill>
+          <a:schemeClr val="tx1">
+            <a:lumMod val="15000"/>
+            <a:lumOff val="85000"/>
+          </a:schemeClr>
+        </a:solidFill>
+        <a:round/>
+      </a:ln>
+    </cs:spPr>
+  </cs:gridlineMajor>
+  <cs:gridlineMinor>
+    <cs:lnRef idx="0"/>
+    <cs:fillRef idx="0"/>
+    <cs:effectRef idx="0"/>
+    <cs:fontRef idx="minor">
+      <a:schemeClr val="tx1"/>
+    </cs:fontRef>
+    <cs:spPr>
+      <a:ln w="9525" cap="flat" cmpd="sng" algn="ctr">
+        <a:solidFill>
+          <a:schemeClr val="tx1">
+            <a:lumMod val="5000"/>
+            <a:lumOff val="95000"/>
+          </a:schemeClr>
+        </a:solidFill>
+        <a:round/>
+      </a:ln>
+    </cs:spPr>
+  </cs:gridlineMinor>
+  <cs:hiLoLine>
+    <cs:lnRef idx="0"/>
+    <cs:fillRef idx="0"/>
+    <cs:effectRef idx="0"/>
+    <cs:fontRef idx="minor">
+      <a:schemeClr val="tx1"/>
+    </cs:fontRef>
+    <cs:spPr>
+      <a:ln w="9525" cap="flat" cmpd="sng" algn="ctr">
+        <a:solidFill>
+          <a:schemeClr val="tx1">
+            <a:lumMod val="75000"/>
+            <a:lumOff val="25000"/>
+          </a:schemeClr>
+        </a:solidFill>
+        <a:round/>
+      </a:ln>
+    </cs:spPr>
+  </cs:hiLoLine>
+  <cs:leaderLine>
+    <cs:lnRef idx="0"/>
+    <cs:fillRef idx="0"/>
+    <cs:effectRef idx="0"/>
+    <cs:fontRef idx="minor">
+      <a:schemeClr val="tx1"/>
+    </cs:fontRef>
+    <cs:spPr>
+      <a:ln w="9525" cap="flat" cmpd="sng" algn="ctr">
+        <a:solidFill>
+          <a:schemeClr val="tx1">
+            <a:lumMod val="35000"/>
+            <a:lumOff val="65000"/>
+          </a:schemeClr>
+        </a:solidFill>
+        <a:round/>
+      </a:ln>
+    </cs:spPr>
+  </cs:leaderLine>
+  <cs:legend>
+    <cs:lnRef idx="0"/>
+    <cs:fillRef idx="0"/>
+    <cs:effectRef idx="0"/>
+    <cs:fontRef idx="minor">
+      <a:schemeClr val="tx1">
+        <a:lumMod val="65000"/>
+        <a:lumOff val="35000"/>
+      </a:schemeClr>
+    </cs:fontRef>
+    <cs:defRPr sz="900" kern="1200"/>
+  </cs:legend>
+  <cs:plotArea mods="allowNoFillOverride allowNoLineOverride">
+    <cs:lnRef idx="0"/>
+    <cs:fillRef idx="0"/>
+    <cs:effectRef idx="0"/>
+    <cs:fontRef idx="minor">
+      <a:schemeClr val="tx1"/>
+    </cs:fontRef>
+  </cs:plotArea>
+  <cs:plotArea3D mods="allowNoFillOverride allowNoLineOverride">
+    <cs:lnRef idx="0"/>
+    <cs:fillRef idx="0"/>
+    <cs:effectRef idx="0"/>
+    <cs:fontRef idx="minor">
+      <a:schemeClr val="tx1"/>
+    </cs:fontRef>
+  </cs:plotArea3D>
+  <cs:seriesAxis>
+    <cs:lnRef idx="0"/>
+    <cs:fillRef idx="0"/>
+    <cs:effectRef idx="0"/>
+    <cs:fontRef idx="minor">
+      <a:schemeClr val="tx1">
+        <a:lumMod val="65000"/>
+        <a:lumOff val="35000"/>
+      </a:schemeClr>
+    </cs:fontRef>
+    <cs:spPr>
+      <a:ln w="9525" cap="flat" cmpd="sng" algn="ctr">
+        <a:solidFill>
+          <a:schemeClr val="tx1">
+            <a:lumMod val="15000"/>
+            <a:lumOff val="85000"/>
+          </a:schemeClr>
+        </a:solidFill>
+        <a:round/>
+      </a:ln>
+    </cs:spPr>
+    <cs:defRPr sz="900" kern="1200"/>
+  </cs:seriesAxis>
+  <cs:seriesLine>
+    <cs:lnRef idx="0"/>
+    <cs:fillRef idx="0"/>
+    <cs:effectRef idx="0"/>
+    <cs:fontRef idx="minor">
+      <a:schemeClr val="tx1"/>
+    </cs:fontRef>
+    <cs:spPr>
+      <a:ln w="9525" cap="flat" cmpd="sng" algn="ctr">
+        <a:solidFill>
+          <a:schemeClr val="tx1">
+            <a:lumMod val="35000"/>
+            <a:lumOff val="65000"/>
+          </a:schemeClr>
+        </a:solidFill>
+        <a:round/>
+      </a:ln>
+    </cs:spPr>
+  </cs:seriesLine>
+  <cs:title>
+    <cs:lnRef idx="0"/>
+    <cs:fillRef idx="0"/>
+    <cs:effectRef idx="0"/>
+    <cs:fontRef idx="minor">
+      <a:schemeClr val="tx1">
+        <a:lumMod val="65000"/>
+        <a:lumOff val="35000"/>
+      </a:schemeClr>
+    </cs:fontRef>
+    <cs:defRPr sz="1400" b="0" kern="1200" spc="0" baseline="0"/>
+  </cs:title>
+  <cs:trendline>
+    <cs:lnRef idx="0">
+      <cs:styleClr val="auto"/>
+    </cs:lnRef>
+    <cs:fillRef idx="0"/>
+    <cs:effectRef idx="0"/>
+    <cs:fontRef idx="minor">
+      <a:schemeClr val="tx1"/>
+    </cs:fontRef>
+    <cs:spPr>
+      <a:ln w="19050" cap="rnd">
+        <a:solidFill>
+          <a:schemeClr val="phClr"/>
+        </a:solidFill>
+        <a:prstDash val="sysDot"/>
+      </a:ln>
+    </cs:spPr>
+  </cs:trendline>
+  <cs:trendlineLabel>
+    <cs:lnRef idx="0"/>
+    <cs:fillRef idx="0"/>
+    <cs:effectRef idx="0"/>
+    <cs:fontRef idx="minor">
+      <a:schemeClr val="tx1">
+        <a:lumMod val="65000"/>
+        <a:lumOff val="35000"/>
+      </a:schemeClr>
+    </cs:fontRef>
+    <cs:defRPr sz="900" kern="1200"/>
+  </cs:trendlineLabel>
+  <cs:upBar>
+    <cs:lnRef idx="0"/>
+    <cs:fillRef idx="0"/>
+    <cs:effectRef idx="0"/>
+    <cs:fontRef idx="minor">
+      <a:schemeClr val="tx1"/>
+    </cs:fontRef>
+    <cs:spPr>
+      <a:solidFill>
+        <a:schemeClr val="lt1"/>
+      </a:solidFill>
+      <a:ln w="9525" cap="flat" cmpd="sng" algn="ctr">
+        <a:solidFill>
+          <a:schemeClr val="tx1">
+            <a:lumMod val="65000"/>
+            <a:lumOff val="35000"/>
+          </a:schemeClr>
+        </a:solidFill>
+        <a:round/>
+      </a:ln>
+    </cs:spPr>
+  </cs:upBar>
+  <cs:valueAxis>
+    <cs:lnRef idx="0"/>
+    <cs:fillRef idx="0"/>
+    <cs:effectRef idx="0"/>
+    <cs:fontRef idx="minor">
+      <a:schemeClr val="tx1">
+        <a:lumMod val="65000"/>
+        <a:lumOff val="35000"/>
+      </a:schemeClr>
+    </cs:fontRef>
+    <cs:defRPr sz="900" kern="1200"/>
+  </cs:valueAxis>
+  <cs:wall>
+    <cs:lnRef idx="0"/>
+    <cs:fillRef idx="0"/>
+    <cs:effectRef idx="0"/>
+    <cs:fontRef idx="minor">
+      <a:schemeClr val="tx1"/>
+    </cs:fontRef>
+    <cs:spPr>
+      <a:noFill/>
+      <a:ln>
+        <a:noFill/>
+      </a:ln>
+    </cs:spPr>
+  </cs:wall>
+</cs:chartStyle>
+</file>
+
+<file path=ppt/charts/style2.xml><?xml version="1.0" encoding="utf-8"?>
+<cs:chartStyle xmlns:cs="http://schemas.microsoft.com/office/drawing/2012/chartStyle" xmlns:a="http://schemas.openxmlformats.org/drawingml/2006/main" id="251">
+  <cs:axisTitle>
+    <cs:lnRef idx="0"/>
+    <cs:fillRef idx="0"/>
+    <cs:effectRef idx="0"/>
+    <cs:fontRef idx="minor">
+      <a:schemeClr val="tx1">
+        <a:lumMod val="65000"/>
+        <a:lumOff val="35000"/>
+      </a:schemeClr>
+    </cs:fontRef>
+    <cs:defRPr sz="1000" kern="1200"/>
+  </cs:axisTitle>
+  <cs:categoryAxis>
+    <cs:lnRef idx="0"/>
+    <cs:fillRef idx="0"/>
+    <cs:effectRef idx="0"/>
+    <cs:fontRef idx="minor">
+      <a:schemeClr val="tx1">
+        <a:lumMod val="65000"/>
+        <a:lumOff val="35000"/>
+      </a:schemeClr>
+    </cs:fontRef>
+    <cs:spPr>
+      <a:ln w="9525" cap="flat" cmpd="sng" algn="ctr">
+        <a:solidFill>
+          <a:schemeClr val="tx1">
+            <a:lumMod val="15000"/>
+            <a:lumOff val="85000"/>
+          </a:schemeClr>
+        </a:solidFill>
+        <a:round/>
+      </a:ln>
+    </cs:spPr>
+    <cs:defRPr sz="900" kern="1200"/>
+  </cs:categoryAxis>
+  <cs:chartArea mods="allowNoFillOverride allowNoLineOverride">
+    <cs:lnRef idx="0"/>
+    <cs:fillRef idx="0"/>
+    <cs:effectRef idx="0"/>
+    <cs:fontRef idx="minor">
+      <a:schemeClr val="tx1"/>
+    </cs:fontRef>
+    <cs:spPr>
+      <a:solidFill>
+        <a:schemeClr val="bg1"/>
+      </a:solidFill>
+      <a:ln w="9525" cap="flat" cmpd="sng" algn="ctr">
+        <a:solidFill>
+          <a:schemeClr val="tx1">
+            <a:lumMod val="15000"/>
+            <a:lumOff val="85000"/>
+          </a:schemeClr>
+        </a:solidFill>
+        <a:round/>
+      </a:ln>
+    </cs:spPr>
+    <cs:defRPr sz="900" kern="1200"/>
+  </cs:chartArea>
+  <cs:dataLabel>
+    <cs:lnRef idx="0"/>
+    <cs:fillRef idx="0"/>
+    <cs:effectRef idx="0"/>
+    <cs:fontRef idx="minor">
+      <a:schemeClr val="tx1">
+        <a:lumMod val="75000"/>
+        <a:lumOff val="25000"/>
+      </a:schemeClr>
+    </cs:fontRef>
+    <cs:defRPr sz="900" kern="1200"/>
+  </cs:dataLabel>
+  <cs:dataLabelCallout>
+    <cs:lnRef idx="0"/>
+    <cs:fillRef idx="0"/>
+    <cs:effectRef idx="0"/>
+    <cs:fontRef idx="minor">
+      <a:schemeClr val="dk1">
+        <a:lumMod val="65000"/>
+        <a:lumOff val="35000"/>
+      </a:schemeClr>
+    </cs:fontRef>
+    <cs:spPr>
+      <a:solidFill>
+        <a:schemeClr val="lt1"/>
+      </a:solidFill>
+      <a:ln>
+        <a:solidFill>
+          <a:schemeClr val="dk1">
+            <a:lumMod val="25000"/>
+            <a:lumOff val="75000"/>
+          </a:schemeClr>
+        </a:solidFill>
+      </a:ln>
+    </cs:spPr>
+    <cs:defRPr sz="900" kern="1200"/>
+    <cs:bodyPr rot="0" spcFirstLastPara="1" vertOverflow="clip" horzOverflow="clip" vert="horz" wrap="square" lIns="36576" tIns="18288" rIns="36576" bIns="18288" anchor="ctr" anchorCtr="1">
+      <a:spAutoFit/>
+    </cs:bodyPr>
+  </cs:dataLabelCallout>
+  <cs:dataPoint>
+    <cs:lnRef idx="0"/>
+    <cs:fillRef idx="1">
+      <cs:styleClr val="auto"/>
+    </cs:fillRef>
+    <cs:effectRef idx="0"/>
+    <cs:fontRef idx="minor">
+      <a:schemeClr val="tx1"/>
+    </cs:fontRef>
+    <cs:spPr>
+      <a:ln w="19050">
+        <a:solidFill>
+          <a:schemeClr val="lt1"/>
+        </a:solidFill>
+      </a:ln>
+    </cs:spPr>
+  </cs:dataPoint>
+  <cs:dataPoint3D>
+    <cs:lnRef idx="0"/>
+    <cs:fillRef idx="1">
+      <cs:styleClr val="auto"/>
+    </cs:fillRef>
+    <cs:effectRef idx="0"/>
+    <cs:fontRef idx="minor">
+      <a:schemeClr val="tx1"/>
+    </cs:fontRef>
+    <cs:spPr>
+      <a:ln w="25400">
+        <a:solidFill>
+          <a:schemeClr val="lt1"/>
+        </a:solidFill>
+      </a:ln>
+    </cs:spPr>
+  </cs:dataPoint3D>
+  <cs:dataPointLine>
+    <cs:lnRef idx="0">
+      <cs:styleClr val="auto"/>
+    </cs:lnRef>
+    <cs:fillRef idx="0"/>
+    <cs:effectRef idx="0"/>
+    <cs:fontRef idx="minor">
+      <a:schemeClr val="tx1"/>
+    </cs:fontRef>
+    <cs:spPr>
+      <a:ln w="28575" cap="rnd">
+        <a:solidFill>
+          <a:schemeClr val="phClr"/>
+        </a:solidFill>
+        <a:round/>
+      </a:ln>
+    </cs:spPr>
+  </cs:dataPointLine>
+  <cs:dataPointMarker>
+    <cs:lnRef idx="0">
+      <cs:styleClr val="auto"/>
+    </cs:lnRef>
+    <cs:fillRef idx="1">
+      <cs:styleClr val="auto"/>
+    </cs:fillRef>
+    <cs:effectRef idx="0"/>
+    <cs:fontRef idx="minor">
+      <a:schemeClr val="tx1"/>
+    </cs:fontRef>
+    <cs:spPr>
+      <a:ln w="9525">
+        <a:solidFill>
+          <a:schemeClr val="phClr"/>
+        </a:solidFill>
+      </a:ln>
+    </cs:spPr>
+  </cs:dataPointMarker>
+  <cs:dataPointMarkerLayout symbol="circle" size="5"/>
+  <cs:dataPointWireframe>
+    <cs:lnRef idx="0">
+      <cs:styleClr val="auto"/>
+    </cs:lnRef>
+    <cs:fillRef idx="0"/>
+    <cs:effectRef idx="0"/>
+    <cs:fontRef idx="minor">
+      <a:schemeClr val="tx1"/>
+    </cs:fontRef>
+    <cs:spPr>
+      <a:ln w="9525" cap="rnd">
+        <a:solidFill>
+          <a:schemeClr val="phClr"/>
+        </a:solidFill>
+        <a:round/>
+      </a:ln>
+    </cs:spPr>
+  </cs:dataPointWireframe>
+  <cs:dataTable>
+    <cs:lnRef idx="0"/>
+    <cs:fillRef idx="0"/>
+    <cs:effectRef idx="0"/>
+    <cs:fontRef idx="minor">
+      <a:schemeClr val="tx1">
+        <a:lumMod val="65000"/>
+        <a:lumOff val="35000"/>
+      </a:schemeClr>
+    </cs:fontRef>
+    <cs:spPr>
+      <a:noFill/>
+      <a:ln w="9525" cap="flat" cmpd="sng" algn="ctr">
+        <a:solidFill>
+          <a:schemeClr val="tx1">
+            <a:lumMod val="15000"/>
+            <a:lumOff val="85000"/>
+          </a:schemeClr>
+        </a:solidFill>
+        <a:round/>
+      </a:ln>
+    </cs:spPr>
+    <cs:defRPr sz="900" kern="1200"/>
+  </cs:dataTable>
+  <cs:downBar>
+    <cs:lnRef idx="0"/>
+    <cs:fillRef idx="0"/>
+    <cs:effectRef idx="0"/>
+    <cs:fontRef idx="minor">
+      <a:schemeClr val="tx1"/>
+    </cs:fontRef>
+    <cs:spPr>
+      <a:solidFill>
+        <a:schemeClr val="dk1">
+          <a:lumMod val="75000"/>
+          <a:lumOff val="25000"/>
+        </a:schemeClr>
+      </a:solidFill>
+      <a:ln w="9525" cap="flat" cmpd="sng" algn="ctr">
+        <a:solidFill>
+          <a:schemeClr val="tx1">
+            <a:lumMod val="65000"/>
+            <a:lumOff val="35000"/>
+          </a:schemeClr>
+        </a:solidFill>
+        <a:round/>
+      </a:ln>
+    </cs:spPr>
+  </cs:downBar>
+  <cs:dropLine>
+    <cs:lnRef idx="0"/>
+    <cs:fillRef idx="0"/>
+    <cs:effectRef idx="0"/>
+    <cs:fontRef idx="minor">
+      <a:schemeClr val="tx1"/>
+    </cs:fontRef>
+    <cs:spPr>
+      <a:ln w="9525" cap="flat" cmpd="sng" algn="ctr">
+        <a:solidFill>
+          <a:schemeClr val="tx1">
+            <a:lumMod val="35000"/>
+            <a:lumOff val="65000"/>
+          </a:schemeClr>
+        </a:solidFill>
+        <a:round/>
+      </a:ln>
+    </cs:spPr>
+  </cs:dropLine>
+  <cs:errorBar>
+    <cs:lnRef idx="0"/>
+    <cs:fillRef idx="0"/>
+    <cs:effectRef idx="0"/>
+    <cs:fontRef idx="minor">
+      <a:schemeClr val="tx1"/>
+    </cs:fontRef>
+    <cs:spPr>
+      <a:ln w="9525" cap="flat" cmpd="sng" algn="ctr">
+        <a:solidFill>
+          <a:schemeClr val="tx1">
+            <a:lumMod val="65000"/>
+            <a:lumOff val="35000"/>
+          </a:schemeClr>
+        </a:solidFill>
+        <a:round/>
+      </a:ln>
+    </cs:spPr>
+  </cs:errorBar>
+  <cs:floor>
+    <cs:lnRef idx="0"/>
+    <cs:fillRef idx="0"/>
+    <cs:effectRef idx="0"/>
+    <cs:fontRef idx="minor">
+      <a:schemeClr val="tx1"/>
+    </cs:fontRef>
+    <cs:spPr>
+      <a:noFill/>
+      <a:ln>
+        <a:noFill/>
+      </a:ln>
+    </cs:spPr>
+  </cs:floor>
+  <cs:gridlineMajor>
+    <cs:lnRef idx="0"/>
+    <cs:fillRef idx="0"/>
+    <cs:effectRef idx="0"/>
+    <cs:fontRef idx="minor">
+      <a:schemeClr val="tx1"/>
+    </cs:fontRef>
+    <cs:spPr>
+      <a:ln w="9525" cap="flat" cmpd="sng" algn="ctr">
+        <a:solidFill>
+          <a:schemeClr val="tx1">
+            <a:lumMod val="15000"/>
+            <a:lumOff val="85000"/>
+          </a:schemeClr>
+        </a:solidFill>
+        <a:round/>
+      </a:ln>
+    </cs:spPr>
+  </cs:gridlineMajor>
+  <cs:gridlineMinor>
+    <cs:lnRef idx="0"/>
+    <cs:fillRef idx="0"/>
+    <cs:effectRef idx="0"/>
+    <cs:fontRef idx="minor">
+      <a:schemeClr val="tx1"/>
+    </cs:fontRef>
+    <cs:spPr>
+      <a:ln w="9525" cap="flat" cmpd="sng" algn="ctr">
+        <a:solidFill>
+          <a:schemeClr val="tx1">
+            <a:lumMod val="5000"/>
+            <a:lumOff val="95000"/>
+          </a:schemeClr>
+        </a:solidFill>
+        <a:round/>
+      </a:ln>
+    </cs:spPr>
+  </cs:gridlineMinor>
+  <cs:hiLoLine>
+    <cs:lnRef idx="0"/>
+    <cs:fillRef idx="0"/>
+    <cs:effectRef idx="0"/>
+    <cs:fontRef idx="minor">
+      <a:schemeClr val="tx1"/>
+    </cs:fontRef>
+    <cs:spPr>
+      <a:ln w="9525" cap="flat" cmpd="sng" algn="ctr">
+        <a:solidFill>
+          <a:schemeClr val="tx1">
+            <a:lumMod val="50000"/>
+            <a:lumOff val="50000"/>
+          </a:schemeClr>
+        </a:solidFill>
+        <a:round/>
+      </a:ln>
+    </cs:spPr>
+  </cs:hiLoLine>
+  <cs:leaderLine>
+    <cs:lnRef idx="0"/>
+    <cs:fillRef idx="0"/>
+    <cs:effectRef idx="0"/>
+    <cs:fontRef idx="minor">
+      <a:schemeClr val="tx1"/>
+    </cs:fontRef>
+    <cs:spPr>
+      <a:ln w="9525" cap="flat" cmpd="sng" algn="ctr">
+        <a:solidFill>
+          <a:schemeClr val="tx1">
+            <a:lumMod val="35000"/>
+            <a:lumOff val="65000"/>
+          </a:schemeClr>
+        </a:solidFill>
+        <a:round/>
+      </a:ln>
+    </cs:spPr>
+  </cs:leaderLine>
+  <cs:legend>
+    <cs:lnRef idx="0"/>
+    <cs:fillRef idx="0"/>
+    <cs:effectRef idx="0"/>
+    <cs:fontRef idx="minor">
+      <a:schemeClr val="tx1">
+        <a:lumMod val="65000"/>
+        <a:lumOff val="35000"/>
+      </a:schemeClr>
+    </cs:fontRef>
+    <cs:defRPr sz="900" kern="1200"/>
+  </cs:legend>
+  <cs:plotArea mods="allowNoFillOverride allowNoLineOverride">
+    <cs:lnRef idx="0"/>
+    <cs:fillRef idx="0"/>
+    <cs:effectRef idx="0"/>
+    <cs:fontRef idx="minor">
+      <a:schemeClr val="tx1"/>
+    </cs:fontRef>
+  </cs:plotArea>
+  <cs:plotArea3D mods="allowNoFillOverride allowNoLineOverride">
+    <cs:lnRef idx="0"/>
+    <cs:fillRef idx="0"/>
+    <cs:effectRef idx="0"/>
+    <cs:fontRef idx="minor">
+      <a:schemeClr val="tx1"/>
+    </cs:fontRef>
+  </cs:plotArea3D>
+  <cs:seriesAxis>
+    <cs:lnRef idx="0"/>
+    <cs:fillRef idx="0"/>
+    <cs:effectRef idx="0"/>
+    <cs:fontRef idx="minor">
+      <a:schemeClr val="tx1">
+        <a:lumMod val="65000"/>
+        <a:lumOff val="35000"/>
+      </a:schemeClr>
+    </cs:fontRef>
+    <cs:defRPr sz="900" kern="1200"/>
+  </cs:seriesAxis>
+  <cs:seriesLine>
+    <cs:lnRef idx="0"/>
+    <cs:fillRef idx="0"/>
+    <cs:effectRef idx="0"/>
+    <cs:fontRef idx="minor">
+      <a:schemeClr val="tx1"/>
+    </cs:fontRef>
+    <cs:spPr>
+      <a:ln w="9525" cap="flat" cmpd="sng" algn="ctr">
+        <a:solidFill>
+          <a:schemeClr val="tx1">
+            <a:lumMod val="35000"/>
+            <a:lumOff val="65000"/>
+          </a:schemeClr>
+        </a:solidFill>
+        <a:round/>
+      </a:ln>
+    </cs:spPr>
+  </cs:seriesLine>
+  <cs:title>
+    <cs:lnRef idx="0"/>
+    <cs:fillRef idx="0"/>
+    <cs:effectRef idx="0"/>
+    <cs:fontRef idx="minor">
+      <a:schemeClr val="tx1">
+        <a:lumMod val="65000"/>
+        <a:lumOff val="35000"/>
+      </a:schemeClr>
+    </cs:fontRef>
+    <cs:defRPr sz="1400" b="0" kern="1200" spc="0" baseline="0"/>
+  </cs:title>
+  <cs:trendline>
+    <cs:lnRef idx="0">
+      <cs:styleClr val="auto"/>
+    </cs:lnRef>
+    <cs:fillRef idx="0"/>
+    <cs:effectRef idx="0"/>
+    <cs:fontRef idx="minor">
+      <a:schemeClr val="tx1"/>
+    </cs:fontRef>
+    <cs:spPr>
+      <a:ln w="19050" cap="rnd">
+        <a:solidFill>
+          <a:schemeClr val="phClr"/>
+        </a:solidFill>
+        <a:prstDash val="sysDot"/>
+      </a:ln>
+    </cs:spPr>
+  </cs:trendline>
+  <cs:trendlineLabel>
+    <cs:lnRef idx="0"/>
+    <cs:fillRef idx="0"/>
+    <cs:effectRef idx="0"/>
+    <cs:fontRef idx="minor">
+      <a:schemeClr val="tx1">
+        <a:lumMod val="65000"/>
+        <a:lumOff val="35000"/>
+      </a:schemeClr>
+    </cs:fontRef>
+    <cs:defRPr sz="900" kern="1200"/>
+  </cs:trendlineLabel>
+  <cs:upBar>
+    <cs:lnRef idx="0"/>
+    <cs:fillRef idx="0"/>
+    <cs:effectRef idx="0"/>
+    <cs:fontRef idx="minor">
+      <a:schemeClr val="tx1"/>
+    </cs:fontRef>
+    <cs:spPr>
+      <a:solidFill>
+        <a:schemeClr val="lt1"/>
+      </a:solidFill>
+      <a:ln w="9525" cap="flat" cmpd="sng" algn="ctr">
+        <a:solidFill>
+          <a:schemeClr val="tx1">
+            <a:lumMod val="65000"/>
+            <a:lumOff val="35000"/>
+          </a:schemeClr>
+        </a:solidFill>
+        <a:round/>
+      </a:ln>
+    </cs:spPr>
+  </cs:upBar>
+  <cs:valueAxis>
+    <cs:lnRef idx="0"/>
+    <cs:fillRef idx="0"/>
+    <cs:effectRef idx="0"/>
+    <cs:fontRef idx="minor">
+      <a:schemeClr val="tx1">
+        <a:lumMod val="65000"/>
+        <a:lumOff val="35000"/>
+      </a:schemeClr>
+    </cs:fontRef>
+    <cs:defRPr sz="900" kern="1200"/>
+  </cs:valueAxis>
+  <cs:wall>
+    <cs:lnRef idx="0"/>
+    <cs:fillRef idx="0"/>
+    <cs:effectRef idx="0"/>
+    <cs:fontRef idx="minor">
+      <a:schemeClr val="tx1"/>
+    </cs:fontRef>
+    <cs:spPr>
+      <a:noFill/>
+      <a:ln>
+        <a:noFill/>
+      </a:ln>
+    </cs:spPr>
+  </cs:wall>
+</cs:chartStyle>
+</file>
+
 <file path=ppt/notesMasters/notesMaster1.xml><?xml version="1.0" encoding="utf-8"?>
 <p:notesMaster xmlns:a="http://schemas.openxmlformats.org/drawingml/2006/main" xmlns:r="http://schemas.openxmlformats.org/officeDocument/2006/relationships" xmlns:p="http://schemas.openxmlformats.org/presentationml/2006/main">
   <p:cSld>
@@ -2257,7 +4425,7 @@
               <a:rPr lang="en-US" smtClean="0">
                 <a:uFillTx/>
               </a:rPr>
-              <a:t>2/23/2021</a:t>
+              <a:t>2/24/2021</a:t>
             </a:fld>
             <a:endParaRPr lang="en-US">
               <a:uFillTx/>
@@ -2664,7 +4832,7 @@
                 <a:latin typeface="Calibri"/>
               </a:rPr>
               <a:pPr/>
-              <a:t>2/23/2021</a:t>
+              <a:t>2/24/2021</a:t>
             </a:fld>
             <a:endParaRPr lang="en-US">
               <a:solidFill>
@@ -2910,7 +5078,7 @@
                 <a:latin typeface="Calibri"/>
               </a:rPr>
               <a:pPr/>
-              <a:t>2/23/2021</a:t>
+              <a:t>2/24/2021</a:t>
             </a:fld>
             <a:endParaRPr lang="en-US">
               <a:solidFill>
@@ -3257,7 +5425,7 @@
                 <a:latin typeface="Calibri"/>
               </a:rPr>
               <a:pPr/>
-              <a:t>2/23/2021</a:t>
+              <a:t>2/24/2021</a:t>
             </a:fld>
             <a:endParaRPr lang="en-US">
               <a:solidFill>
@@ -3444,7 +5612,7 @@
                 <a:latin typeface="Calibri"/>
               </a:rPr>
               <a:pPr/>
-              <a:t>2/23/2021</a:t>
+              <a:t>2/24/2021</a:t>
             </a:fld>
             <a:endParaRPr lang="en-US">
               <a:solidFill>
@@ -3599,7 +5767,7 @@
                 <a:latin typeface="Calibri"/>
               </a:rPr>
               <a:pPr/>
-              <a:t>2/23/2021</a:t>
+              <a:t>2/24/2021</a:t>
             </a:fld>
             <a:endParaRPr lang="en-US">
               <a:solidFill>
@@ -3843,7 +6011,7 @@
                 <a:latin typeface="Calibri"/>
               </a:rPr>
               <a:pPr defTabSz="1218987"/>
-              <a:t>2/23/2021</a:t>
+              <a:t>2/24/2021</a:t>
             </a:fld>
             <a:endParaRPr lang="en-US">
               <a:solidFill>
@@ -5100,7 +7268,7 @@
         </p:nvSpPr>
         <p:spPr>
           <a:xfrm>
-            <a:off x="40" y="5062718"/>
+            <a:off x="0" y="5220487"/>
             <a:ext cx="12192000" cy="1795282"/>
           </a:xfrm>
           <a:prstGeom prst="rect">
@@ -5179,18 +7347,56 @@
             <p:ph type="title"/>
           </p:nvPr>
         </p:nvSpPr>
-        <p:spPr/>
+        <p:spPr>
+          <a:xfrm>
+            <a:off x="104775" y="274716"/>
+            <a:ext cx="11906249" cy="711081"/>
+          </a:xfrm>
+        </p:spPr>
         <p:txBody>
           <a:bodyPr/>
           <a:lstStyle/>
           <a:p>
             <a:r>
-              <a:rPr lang="en-US" dirty="0"/>
-              <a:t>Carrier Analysis… describe like a story</a:t>
+              <a:rPr lang="en-US" sz="3200" b="1" dirty="0"/>
+              <a:t>Top 10 impacted</a:t>
             </a:r>
-            <a:endParaRPr lang="en-US" dirty="0">
-              <a:uFillTx/>
-            </a:endParaRPr>
+            <a:r>
+              <a:rPr lang="en-US" sz="3200" b="1" dirty="0">
+                <a:uFillTx/>
+              </a:rPr>
+              <a:t> </a:t>
+            </a:r>
+            <a:r>
+              <a:rPr lang="en-US" sz="3200" dirty="0">
+                <a:uFillTx/>
+              </a:rPr>
+              <a:t>airlines</a:t>
+            </a:r>
+            <a:r>
+              <a:rPr lang="en-US" sz="3200" b="1" dirty="0">
+                <a:uFillTx/>
+              </a:rPr>
+              <a:t> </a:t>
+            </a:r>
+            <a:r>
+              <a:rPr lang="en-US" sz="3200" dirty="0">
+                <a:uFillTx/>
+              </a:rPr>
+              <a:t>in the US have lost </a:t>
+            </a:r>
+            <a:r>
+              <a:rPr lang="en-US" sz="3200" b="1" dirty="0">
+                <a:uFillTx/>
+              </a:rPr>
+              <a:t>more than 50% </a:t>
+            </a:r>
+            <a:r>
+              <a:rPr lang="en-US" sz="3200" dirty="0">
+                <a:uFillTx/>
+              </a:rPr>
+              <a:t>of their passengers</a:t>
+            </a:r>
           </a:p>
         </p:txBody>
       </p:sp>
@@ -5204,8 +7410,8 @@
         </p:nvSpPr>
         <p:spPr>
           <a:xfrm>
-            <a:off x="1282125" y="5821375"/>
-            <a:ext cx="2884053" cy="338554"/>
+            <a:off x="-2" y="5570978"/>
+            <a:ext cx="4366282" cy="830997"/>
           </a:xfrm>
           <a:prstGeom prst="rect">
             <a:avLst/>
@@ -5218,7 +7424,7 @@
           </a:bodyPr>
           <a:lstStyle/>
           <a:p>
-            <a:pPr marL="0" marR="0" lvl="0" indent="0" algn="r" defTabSz="1218987" rtl="0" eaLnBrk="1" fontAlgn="auto" latinLnBrk="0" hangingPunct="1">
+            <a:pPr marL="0" marR="0" lvl="0" indent="0" algn="ctr" defTabSz="1218987" rtl="0" eaLnBrk="1" fontAlgn="auto" latinLnBrk="0" hangingPunct="1">
               <a:lnSpc>
                 <a:spcPct val="100000"/>
               </a:lnSpc>
@@ -5236,22 +7442,69 @@
               <a:defRPr/>
             </a:pPr>
             <a:r>
-              <a:rPr kumimoji="0" lang="en-US" sz="1600" b="0" i="0" u="none" strike="noStrike" kern="1200" cap="none" spc="0" normalizeH="0" baseline="0" noProof="0" dirty="0">
-                <a:ln>
-                  <a:noFill/>
-                </a:ln>
+              <a:rPr lang="en-US" sz="1600" dirty="0">
                 <a:solidFill>
                   <a:srgbClr val="FFFFFF"/>
                 </a:solidFill>
-                <a:effectLst/>
-                <a:uLnTx/>
-                <a:uFillTx/>
                 <a:latin typeface="Arial" panose="020B0604020202020204" pitchFamily="34" charset="0"/>
-                <a:ea typeface="+mn-ea"/>
                 <a:cs typeface="Arial" panose="020B0604020202020204" pitchFamily="34" charset="0"/>
               </a:rPr>
-              <a:t>xxx</a:t>
+              <a:t>On average, the most affected airlines have suffered a </a:t>
             </a:r>
+            <a:r>
+              <a:rPr lang="en-US" sz="1600" b="1" dirty="0">
+                <a:solidFill>
+                  <a:srgbClr val="FFFFFF"/>
+                </a:solidFill>
+                <a:latin typeface="Arial" panose="020B0604020202020204" pitchFamily="34" charset="0"/>
+                <a:cs typeface="Arial" panose="020B0604020202020204" pitchFamily="34" charset="0"/>
+              </a:rPr>
+              <a:t>reduction</a:t>
+            </a:r>
+            <a:r>
+              <a:rPr lang="en-US" sz="1600" dirty="0">
+                <a:solidFill>
+                  <a:srgbClr val="FFFFFF"/>
+                </a:solidFill>
+                <a:latin typeface="Arial" panose="020B0604020202020204" pitchFamily="34" charset="0"/>
+                <a:cs typeface="Arial" panose="020B0604020202020204" pitchFamily="34" charset="0"/>
+              </a:rPr>
+              <a:t> of more than </a:t>
+            </a:r>
+            <a:r>
+              <a:rPr lang="en-US" sz="1600" b="1" dirty="0">
+                <a:solidFill>
+                  <a:srgbClr val="FFFFFF"/>
+                </a:solidFill>
+                <a:latin typeface="Arial" panose="020B0604020202020204" pitchFamily="34" charset="0"/>
+                <a:cs typeface="Arial" panose="020B0604020202020204" pitchFamily="34" charset="0"/>
+              </a:rPr>
+              <a:t>26 million </a:t>
+            </a:r>
+            <a:r>
+              <a:rPr lang="en-US" sz="1600" dirty="0">
+                <a:solidFill>
+                  <a:srgbClr val="FFFFFF"/>
+                </a:solidFill>
+                <a:latin typeface="Arial" panose="020B0604020202020204" pitchFamily="34" charset="0"/>
+                <a:cs typeface="Arial" panose="020B0604020202020204" pitchFamily="34" charset="0"/>
+              </a:rPr>
+              <a:t>transported passengers. </a:t>
+            </a:r>
+            <a:endParaRPr kumimoji="0" lang="en-US" sz="1600" b="0" i="0" u="none" strike="noStrike" kern="1200" cap="none" spc="0" normalizeH="0" baseline="0" noProof="0" dirty="0">
+              <a:ln>
+                <a:noFill/>
+              </a:ln>
+              <a:solidFill>
+                <a:srgbClr val="FFFFFF"/>
+              </a:solidFill>
+              <a:effectLst/>
+              <a:uLnTx/>
+              <a:uFillTx/>
+              <a:latin typeface="Arial" panose="020B0604020202020204" pitchFamily="34" charset="0"/>
+              <a:ea typeface="+mn-ea"/>
+              <a:cs typeface="Arial" panose="020B0604020202020204" pitchFamily="34" charset="0"/>
+            </a:endParaRPr>
           </a:p>
         </p:txBody>
       </p:sp>
@@ -5265,8 +7518,8 @@
         </p:nvSpPr>
         <p:spPr>
           <a:xfrm>
-            <a:off x="8025861" y="5821375"/>
-            <a:ext cx="2884053" cy="584775"/>
+            <a:off x="8009888" y="5593275"/>
+            <a:ext cx="4001136" cy="830997"/>
           </a:xfrm>
           <a:prstGeom prst="rect">
             <a:avLst/>
@@ -5311,43 +7564,7 @@
                 <a:ea typeface="+mn-ea"/>
                 <a:cs typeface="Arial" panose="020B0604020202020204" pitchFamily="34" charset="0"/>
               </a:rPr>
-              <a:t>This is a sample text.</a:t>
-            </a:r>
-          </a:p>
-          <a:p>
-            <a:pPr marL="0" marR="0" lvl="0" indent="0" algn="l" defTabSz="1218987" rtl="0" eaLnBrk="1" fontAlgn="auto" latinLnBrk="0" hangingPunct="1">
-              <a:lnSpc>
-                <a:spcPct val="100000"/>
-              </a:lnSpc>
-              <a:spcBef>
-                <a:spcPts val="0"/>
-              </a:spcBef>
-              <a:spcAft>
-                <a:spcPts val="0"/>
-              </a:spcAft>
-              <a:buClrTx/>
-              <a:buSzTx/>
-              <a:buFontTx/>
-              <a:buNone/>
-              <a:tabLst/>
-              <a:defRPr/>
-            </a:pPr>
-            <a:r>
-              <a:rPr kumimoji="0" lang="en-US" sz="1600" b="0" i="0" u="none" strike="noStrike" kern="0" cap="none" spc="0" normalizeH="0" baseline="0" noProof="0" dirty="0">
-                <a:ln>
-                  <a:noFill/>
-                </a:ln>
-                <a:solidFill>
-                  <a:srgbClr val="FFFFFF"/>
-                </a:solidFill>
-                <a:effectLst/>
-                <a:uLnTx/>
-                <a:uFillTx/>
-                <a:latin typeface="Arial" panose="020B0604020202020204" pitchFamily="34" charset="0"/>
-                <a:ea typeface="+mn-ea"/>
-                <a:cs typeface="Arial" panose="020B0604020202020204" pitchFamily="34" charset="0"/>
-              </a:rPr>
-              <a:t>Insert your desired text here.</a:t>
+              <a:t>Top 10 impacted airlines represents 74% of passengers lost during January – July 2020 vs 2019.</a:t>
             </a:r>
             <a:endParaRPr kumimoji="0" lang="en-US" sz="1600" b="0" i="0" u="none" strike="noStrike" kern="1200" cap="none" spc="0" normalizeH="0" baseline="0" noProof="0" dirty="0">
               <a:ln>
@@ -13389,7 +15606,7 @@
         </p:nvSpPr>
         <p:spPr>
           <a:xfrm>
-            <a:off x="1282125" y="5497284"/>
+            <a:off x="1234442" y="5185726"/>
             <a:ext cx="2884053" cy="400110"/>
           </a:xfrm>
           <a:prstGeom prst="rect">
@@ -13457,7 +15674,7 @@
         </p:nvSpPr>
         <p:spPr>
           <a:xfrm>
-            <a:off x="8025861" y="5497284"/>
+            <a:off x="7989812" y="5219562"/>
             <a:ext cx="2884053" cy="400110"/>
           </a:xfrm>
           <a:prstGeom prst="rect">
@@ -13522,12 +15739,42 @@
           </a:p>
         </p:txBody>
       </p:sp>
+      <p:graphicFrame>
+        <p:nvGraphicFramePr>
+          <p:cNvPr id="34" name="Chart 33">
+            <a:extLst>
+              <a:ext uri="{FF2B5EF4-FFF2-40B4-BE49-F238E27FC236}">
+                <a16:creationId xmlns:a16="http://schemas.microsoft.com/office/drawing/2014/main" id="{950E1690-7333-40CF-94D2-E9EEFD06B955}"/>
+              </a:ext>
+            </a:extLst>
+          </p:cNvPr>
+          <p:cNvGraphicFramePr>
+            <a:graphicFrameLocks/>
+          </p:cNvGraphicFramePr>
+          <p:nvPr>
+            <p:extLst>
+              <p:ext uri="{D42A27DB-BD31-4B8C-83A1-F6EECF244321}">
+                <p14:modId xmlns:p14="http://schemas.microsoft.com/office/powerpoint/2010/main" val="1659296573"/>
+              </p:ext>
+            </p:extLst>
+          </p:nvPr>
+        </p:nvGraphicFramePr>
+        <p:xfrm>
+          <a:off x="481558" y="1098623"/>
+          <a:ext cx="6905617" cy="3396459"/>
+        </p:xfrm>
+        <a:graphic>
+          <a:graphicData uri="http://schemas.openxmlformats.org/drawingml/2006/chart">
+            <c:chart xmlns:c="http://schemas.openxmlformats.org/drawingml/2006/chart" xmlns:r="http://schemas.openxmlformats.org/officeDocument/2006/relationships" r:id="rId2"/>
+          </a:graphicData>
+        </a:graphic>
+      </p:graphicFrame>
       <p:sp>
         <p:nvSpPr>
-          <p:cNvPr id="2" name="TextBox 1">
+          <p:cNvPr id="3" name="TextBox 2">
             <a:extLst>
               <a:ext uri="{FF2B5EF4-FFF2-40B4-BE49-F238E27FC236}">
-                <a16:creationId xmlns:a16="http://schemas.microsoft.com/office/drawing/2014/main" id="{6E728BA7-7D8F-4F8C-BF9F-0555046AF5F2}"/>
+                <a16:creationId xmlns:a16="http://schemas.microsoft.com/office/drawing/2014/main" id="{83889A4B-FAA6-4159-A779-75D94485A1CB}"/>
               </a:ext>
             </a:extLst>
           </p:cNvPr>
@@ -13535,9 +15782,9 @@
           <p:nvPr/>
         </p:nvSpPr>
         <p:spPr>
-          <a:xfrm>
-            <a:off x="4490121" y="1795282"/>
-            <a:ext cx="3545225" cy="1107996"/>
+          <a:xfrm rot="16200000">
+            <a:off x="-314324" y="2400300"/>
+            <a:ext cx="1304925" cy="369332"/>
           </a:xfrm>
           <a:prstGeom prst="rect">
             <a:avLst/>
@@ -13550,12 +15797,42 @@
           <a:lstStyle/>
           <a:p>
             <a:r>
-              <a:rPr lang="en-US" sz="6600" dirty="0"/>
-              <a:t>Chart</a:t>
+              <a:rPr lang="en-US" dirty="0"/>
+              <a:t>Passengers</a:t>
             </a:r>
           </a:p>
         </p:txBody>
       </p:sp>
+      <p:graphicFrame>
+        <p:nvGraphicFramePr>
+          <p:cNvPr id="43" name="Chart 42">
+            <a:extLst>
+              <a:ext uri="{FF2B5EF4-FFF2-40B4-BE49-F238E27FC236}">
+                <a16:creationId xmlns:a16="http://schemas.microsoft.com/office/drawing/2014/main" id="{DF467325-1AD0-4CAD-9C0C-C19E19A95369}"/>
+              </a:ext>
+            </a:extLst>
+          </p:cNvPr>
+          <p:cNvGraphicFramePr>
+            <a:graphicFrameLocks/>
+          </p:cNvGraphicFramePr>
+          <p:nvPr>
+            <p:extLst>
+              <p:ext uri="{D42A27DB-BD31-4B8C-83A1-F6EECF244321}">
+                <p14:modId xmlns:p14="http://schemas.microsoft.com/office/powerpoint/2010/main" val="2374059838"/>
+              </p:ext>
+            </p:extLst>
+          </p:nvPr>
+        </p:nvGraphicFramePr>
+        <p:xfrm>
+          <a:off x="7715261" y="1098623"/>
+          <a:ext cx="4865622" cy="3316339"/>
+        </p:xfrm>
+        <a:graphic>
+          <a:graphicData uri="http://schemas.openxmlformats.org/drawingml/2006/chart">
+            <c:chart xmlns:c="http://schemas.openxmlformats.org/drawingml/2006/chart" xmlns:r="http://schemas.openxmlformats.org/officeDocument/2006/relationships" r:id="rId3"/>
+          </a:graphicData>
+        </a:graphic>
+      </p:graphicFrame>
     </p:spTree>
     <p:extLst>
       <p:ext uri="{BB962C8B-B14F-4D97-AF65-F5344CB8AC3E}">

--- a/Ana's Analysis/Blank slide loop.pptx
+++ b/Ana's Analysis/Blank slide loop.pptx
@@ -147,7 +147,7 @@
   <pc:docChgLst>
     <pc:chgData name="Ana" userId="ecfab39d3d920a60" providerId="LiveId" clId="{B066BAE0-A971-4706-BD9C-586A7A2C9D9C}"/>
     <pc:docChg chg="undo custSel addSld delSld modSld sldOrd delMainMaster">
-      <pc:chgData name="Ana" userId="ecfab39d3d920a60" providerId="LiveId" clId="{B066BAE0-A971-4706-BD9C-586A7A2C9D9C}" dt="2021-02-25T04:19:01.485" v="2633" actId="14100"/>
+      <pc:chgData name="Ana" userId="ecfab39d3d920a60" providerId="LiveId" clId="{B066BAE0-A971-4706-BD9C-586A7A2C9D9C}" dt="2021-02-25T05:47:44.559" v="2635" actId="478"/>
       <pc:docMkLst>
         <pc:docMk/>
       </pc:docMkLst>
@@ -730,7 +730,7 @@
         </pc:sldMkLst>
       </pc:sldChg>
       <pc:sldChg chg="addSp delSp modSp mod">
-        <pc:chgData name="Ana" userId="ecfab39d3d920a60" providerId="LiveId" clId="{B066BAE0-A971-4706-BD9C-586A7A2C9D9C}" dt="2021-02-25T04:19:01.485" v="2633" actId="14100"/>
+        <pc:chgData name="Ana" userId="ecfab39d3d920a60" providerId="LiveId" clId="{B066BAE0-A971-4706-BD9C-586A7A2C9D9C}" dt="2021-02-25T05:47:44.559" v="2635" actId="478"/>
         <pc:sldMkLst>
           <pc:docMk/>
           <pc:sldMk cId="3545071244" sldId="310"/>
@@ -895,16 +895,16 @@
             <ac:spMk id="113" creationId="{00000000-0000-0000-0000-000000000000}"/>
           </ac:spMkLst>
         </pc:spChg>
-        <pc:spChg chg="mod">
-          <ac:chgData name="Ana" userId="ecfab39d3d920a60" providerId="LiveId" clId="{B066BAE0-A971-4706-BD9C-586A7A2C9D9C}" dt="2021-02-25T03:14:19.723" v="2419" actId="1076"/>
+        <pc:spChg chg="del mod">
+          <ac:chgData name="Ana" userId="ecfab39d3d920a60" providerId="LiveId" clId="{B066BAE0-A971-4706-BD9C-586A7A2C9D9C}" dt="2021-02-25T05:47:41.381" v="2634" actId="478"/>
           <ac:spMkLst>
             <pc:docMk/>
             <pc:sldMk cId="3545071244" sldId="310"/>
             <ac:spMk id="173" creationId="{00000000-0000-0000-0000-000000000000}"/>
           </ac:spMkLst>
         </pc:spChg>
-        <pc:spChg chg="mod">
-          <ac:chgData name="Ana" userId="ecfab39d3d920a60" providerId="LiveId" clId="{B066BAE0-A971-4706-BD9C-586A7A2C9D9C}" dt="2021-02-25T03:17:26.758" v="2439" actId="1076"/>
+        <pc:spChg chg="del mod">
+          <ac:chgData name="Ana" userId="ecfab39d3d920a60" providerId="LiveId" clId="{B066BAE0-A971-4706-BD9C-586A7A2C9D9C}" dt="2021-02-25T05:47:44.559" v="2635" actId="478"/>
           <ac:spMkLst>
             <pc:docMk/>
             <pc:sldMk cId="3545071244" sldId="310"/>
@@ -15596,149 +15596,6 @@
           </p:grpSp>
         </p:grpSp>
       </p:grpSp>
-      <p:sp>
-        <p:nvSpPr>
-          <p:cNvPr id="173" name="TextBox 172"/>
-          <p:cNvSpPr txBox="1">
-            <a:spLocks/>
-          </p:cNvSpPr>
-          <p:nvPr/>
-        </p:nvSpPr>
-        <p:spPr>
-          <a:xfrm>
-            <a:off x="1234442" y="5185726"/>
-            <a:ext cx="2884053" cy="400110"/>
-          </a:xfrm>
-          <a:prstGeom prst="rect">
-            <a:avLst/>
-          </a:prstGeom>
-          <a:noFill/>
-        </p:spPr>
-        <p:txBody>
-          <a:bodyPr wrap="square" rtlCol="0">
-            <a:spAutoFit/>
-          </a:bodyPr>
-          <a:lstStyle/>
-          <a:p>
-            <a:pPr marL="0" marR="0" lvl="0" indent="0" algn="r" defTabSz="1218987" rtl="0" eaLnBrk="1" fontAlgn="auto" latinLnBrk="0" hangingPunct="1">
-              <a:lnSpc>
-                <a:spcPct val="100000"/>
-              </a:lnSpc>
-              <a:spcBef>
-                <a:spcPts val="0"/>
-              </a:spcBef>
-              <a:spcAft>
-                <a:spcPts val="0"/>
-              </a:spcAft>
-              <a:buClrTx/>
-              <a:buSzTx/>
-              <a:buFontTx/>
-              <a:buNone/>
-              <a:tabLst/>
-              <a:defRPr/>
-            </a:pPr>
-            <a:r>
-              <a:rPr lang="en-US" sz="2000" kern="0" dirty="0">
-                <a:solidFill>
-                  <a:srgbClr val="FFFFFF"/>
-                </a:solidFill>
-                <a:latin typeface="Arial" panose="020B0604020202020204" pitchFamily="34" charset="0"/>
-                <a:cs typeface="Arial" panose="020B0604020202020204" pitchFamily="34" charset="0"/>
-              </a:rPr>
-              <a:t>Main insight</a:t>
-            </a:r>
-            <a:endParaRPr kumimoji="0" lang="en-US" sz="2000" b="0" i="0" u="none" strike="noStrike" kern="1200" cap="none" spc="0" normalizeH="0" baseline="0" noProof="0" dirty="0">
-              <a:ln>
-                <a:noFill/>
-              </a:ln>
-              <a:solidFill>
-                <a:srgbClr val="FFFFFF"/>
-              </a:solidFill>
-              <a:effectLst/>
-              <a:uLnTx/>
-              <a:uFillTx/>
-              <a:latin typeface="Arial" panose="020B0604020202020204" pitchFamily="34" charset="0"/>
-              <a:ea typeface="+mn-ea"/>
-              <a:cs typeface="Arial" panose="020B0604020202020204" pitchFamily="34" charset="0"/>
-            </a:endParaRPr>
-          </a:p>
-        </p:txBody>
-      </p:sp>
-      <p:sp>
-        <p:nvSpPr>
-          <p:cNvPr id="174" name="TextBox 173"/>
-          <p:cNvSpPr txBox="1">
-            <a:spLocks/>
-          </p:cNvSpPr>
-          <p:nvPr/>
-        </p:nvSpPr>
-        <p:spPr>
-          <a:xfrm>
-            <a:off x="7989812" y="5219562"/>
-            <a:ext cx="2884053" cy="400110"/>
-          </a:xfrm>
-          <a:prstGeom prst="rect">
-            <a:avLst/>
-          </a:prstGeom>
-          <a:noFill/>
-        </p:spPr>
-        <p:txBody>
-          <a:bodyPr wrap="square" rtlCol="0">
-            <a:spAutoFit/>
-          </a:bodyPr>
-          <a:lstStyle/>
-          <a:p>
-            <a:pPr marL="0" marR="0" lvl="0" indent="0" algn="l" defTabSz="1218987" rtl="0" eaLnBrk="1" fontAlgn="auto" latinLnBrk="0" hangingPunct="1">
-              <a:lnSpc>
-                <a:spcPct val="100000"/>
-              </a:lnSpc>
-              <a:spcBef>
-                <a:spcPts val="0"/>
-              </a:spcBef>
-              <a:spcAft>
-                <a:spcPts val="0"/>
-              </a:spcAft>
-              <a:buClrTx/>
-              <a:buSzTx/>
-              <a:buFontTx/>
-              <a:buNone/>
-              <a:tabLst/>
-              <a:defRPr/>
-            </a:pPr>
-            <a:r>
-              <a:rPr kumimoji="0" lang="en-US" sz="2000" b="0" i="0" u="none" strike="noStrike" kern="0" cap="none" spc="0" normalizeH="0" baseline="0" noProof="0" dirty="0">
-                <a:ln>
-                  <a:noFill/>
-                </a:ln>
-                <a:solidFill>
-                  <a:srgbClr val="FFFFFF"/>
-                </a:solidFill>
-                <a:effectLst/>
-                <a:uLnTx/>
-                <a:uFillTx/>
-                <a:latin typeface="Arial" panose="020B0604020202020204" pitchFamily="34" charset="0"/>
-                <a:ea typeface="+mn-ea"/>
-                <a:cs typeface="Arial" panose="020B0604020202020204" pitchFamily="34" charset="0"/>
-              </a:rPr>
-              <a:t>Main insight</a:t>
-            </a:r>
-            <a:endParaRPr kumimoji="0" lang="en-US" sz="2000" b="0" i="0" u="none" strike="noStrike" kern="1200" cap="none" spc="0" normalizeH="0" baseline="0" noProof="0" dirty="0">
-              <a:ln>
-                <a:noFill/>
-              </a:ln>
-              <a:solidFill>
-                <a:srgbClr val="FFFFFF"/>
-              </a:solidFill>
-              <a:effectLst/>
-              <a:uLnTx/>
-              <a:uFillTx/>
-              <a:latin typeface="Arial" panose="020B0604020202020204" pitchFamily="34" charset="0"/>
-              <a:ea typeface="+mn-ea"/>
-              <a:cs typeface="Arial" panose="020B0604020202020204" pitchFamily="34" charset="0"/>
-            </a:endParaRPr>
-          </a:p>
-        </p:txBody>
-      </p:sp>
       <p:graphicFrame>
         <p:nvGraphicFramePr>
           <p:cNvPr id="34" name="Chart 33">
